--- a/Lecture/Week_1/Repoert_Week_1.pptx
+++ b/Lecture/Week_1/Repoert_Week_1.pptx
@@ -8924,7 +8924,7 @@
     <mc:Choice Requires="p14">
       <p:transition/>
     </mc:Choice>
-    <mc:Fallback xmlns="" xmlns:c="http://schemas.openxmlformats.org/drawingml/2006/chart" xmlns:dgm="http://schemas.openxmlformats.org/drawingml/2006/diagram" xmlns:dsp="http://schemas.microsoft.com/office/drawing/2008/diagram">
+    <mc:Fallback xmlns:dsp="http://schemas.microsoft.com/office/drawing/2008/diagram" xmlns:dgm="http://schemas.openxmlformats.org/drawingml/2006/diagram" xmlns:c="http://schemas.openxmlformats.org/drawingml/2006/chart" xmlns="">
       <p:transition/>
     </mc:Fallback>
   </mc:AlternateContent>
@@ -10436,7 +10436,7 @@
     <mc:Choice Requires="p14">
       <p:transition/>
     </mc:Choice>
-    <mc:Fallback xmlns="" xmlns:c="http://schemas.openxmlformats.org/drawingml/2006/chart" xmlns:dgm="http://schemas.openxmlformats.org/drawingml/2006/diagram" xmlns:dsp="http://schemas.microsoft.com/office/drawing/2008/diagram">
+    <mc:Fallback xmlns:dsp="http://schemas.microsoft.com/office/drawing/2008/diagram" xmlns:dgm="http://schemas.openxmlformats.org/drawingml/2006/diagram" xmlns:c="http://schemas.openxmlformats.org/drawingml/2006/chart" xmlns="">
       <p:transition/>
     </mc:Fallback>
   </mc:AlternateContent>
@@ -10503,8 +10503,8 @@
           </a:p>
         </p:txBody>
       </p:sp>
-      <mc:AlternateContent xmlns:mc="http://schemas.openxmlformats.org/markup-compatibility/2006">
-        <mc:Choice xmlns:a14="http://schemas.microsoft.com/office/drawing/2010/main" Requires="a14">
+      <mc:AlternateContent xmlns:mc="http://schemas.openxmlformats.org/markup-compatibility/2006" xmlns:a14="http://schemas.microsoft.com/office/drawing/2010/main">
+        <mc:Choice Requires="a14">
           <p:sp>
             <p:nvSpPr>
               <p:cNvPr id="16" name="TextBox 15">
@@ -10554,18 +10554,24 @@
                     <m:sSub>
                       <m:sSubPr>
                         <m:ctrlPr>
-                          <a:rPr lang="ko-KR" altLang="ko-KR" i="1"/>
+                          <a:rPr lang="ko-KR" altLang="ko-KR" i="1">
+                            <a:latin typeface="Cambria Math" panose="02040503050406030204" pitchFamily="18" charset="0"/>
+                          </a:rPr>
                         </m:ctrlPr>
                       </m:sSubPr>
                       <m:e>
                         <m:r>
-                          <a:rPr lang="en-US" altLang="ko-KR" i="1"/>
+                          <a:rPr lang="en-US" altLang="ko-KR" i="1">
+                            <a:latin typeface="Cambria Math" panose="02040503050406030204" pitchFamily="18" charset="0"/>
+                          </a:rPr>
                           <m:t>𝐶</m:t>
                         </m:r>
                       </m:e>
                       <m:sub>
                         <m:r>
-                          <a:rPr lang="en-US" altLang="ko-KR" i="1"/>
+                          <a:rPr lang="en-US" altLang="ko-KR" i="1">
+                            <a:latin typeface="Cambria Math" panose="02040503050406030204" pitchFamily="18" charset="0"/>
+                          </a:rPr>
                           <m:t>𝑝</m:t>
                         </m:r>
                       </m:sub>
@@ -10581,7 +10587,7 @@
             </p:txBody>
           </p:sp>
         </mc:Choice>
-        <mc:Fallback>
+        <mc:Fallback xmlns="">
           <p:sp>
             <p:nvSpPr>
               <p:cNvPr id="16" name="TextBox 15">
@@ -10722,8 +10728,8 @@
           </p:txBody>
         </p:sp>
       </p:grpSp>
-      <mc:AlternateContent xmlns:mc="http://schemas.openxmlformats.org/markup-compatibility/2006">
-        <mc:Choice xmlns:a14="http://schemas.microsoft.com/office/drawing/2010/main" Requires="a14">
+      <mc:AlternateContent xmlns:mc="http://schemas.openxmlformats.org/markup-compatibility/2006" xmlns:a14="http://schemas.microsoft.com/office/drawing/2010/main">
+        <mc:Choice Requires="a14">
           <p:sp>
             <p:nvSpPr>
               <p:cNvPr id="6" name="TextBox 5">
@@ -12366,7 +12372,7 @@
             </p:txBody>
           </p:sp>
         </mc:Choice>
-        <mc:Fallback>
+        <mc:Fallback xmlns="">
           <p:sp>
             <p:nvSpPr>
               <p:cNvPr id="6" name="TextBox 5">
@@ -12431,8 +12437,8 @@
             <a:chExt cx="2425570" cy="910069"/>
           </a:xfrm>
         </p:grpSpPr>
-        <mc:AlternateContent xmlns:mc="http://schemas.openxmlformats.org/markup-compatibility/2006">
-          <mc:Choice xmlns:a14="http://schemas.microsoft.com/office/drawing/2010/main" Requires="a14">
+        <mc:AlternateContent xmlns:mc="http://schemas.openxmlformats.org/markup-compatibility/2006" xmlns:a14="http://schemas.microsoft.com/office/drawing/2010/main">
+          <mc:Choice Requires="a14">
             <p:sp>
               <p:nvSpPr>
                 <p:cNvPr id="15" name="TextBox 14">
@@ -12461,6 +12467,7 @@
                 </a:bodyPr>
                 <a:lstStyle/>
                 <a:p>
+                  <a:pPr/>
                   <a14:m>
                     <m:oMathPara xmlns:m="http://schemas.openxmlformats.org/officeDocument/2006/math">
                       <m:oMathParaPr>
@@ -12470,56 +12477,76 @@
                         <m:sSub>
                           <m:sSubPr>
                             <m:ctrlPr>
-                              <a:rPr lang="ko-KR" altLang="ko-KR" sz="1600" i="1"/>
+                              <a:rPr lang="ko-KR" altLang="ko-KR" sz="1600" i="1">
+                                <a:latin typeface="Cambria Math" panose="02040503050406030204" pitchFamily="18" charset="0"/>
+                              </a:rPr>
                             </m:ctrlPr>
                           </m:sSubPr>
                           <m:e>
                             <m:r>
-                              <a:rPr lang="en-US" altLang="ko-KR" sz="1600" i="1"/>
+                              <a:rPr lang="en-US" altLang="ko-KR" sz="1600" i="1">
+                                <a:latin typeface="Cambria Math" panose="02040503050406030204" pitchFamily="18" charset="0"/>
+                              </a:rPr>
                               <m:t>𝐶</m:t>
                             </m:r>
                           </m:e>
                           <m:sub>
                             <m:r>
-                              <a:rPr lang="en-US" altLang="ko-KR" sz="1600" i="1"/>
+                              <a:rPr lang="en-US" altLang="ko-KR" sz="1600" i="1">
+                                <a:latin typeface="Cambria Math" panose="02040503050406030204" pitchFamily="18" charset="0"/>
+                              </a:rPr>
                               <m:t>𝑝</m:t>
                             </m:r>
                           </m:sub>
                         </m:sSub>
                         <m:r>
-                          <a:rPr lang="en-US" altLang="ko-KR" sz="1600" i="1"/>
+                          <a:rPr lang="en-US" altLang="ko-KR" sz="1600" i="1">
+                            <a:latin typeface="Cambria Math" panose="02040503050406030204" pitchFamily="18" charset="0"/>
+                          </a:rPr>
                           <m:t>=</m:t>
                         </m:r>
                         <m:f>
                           <m:fPr>
                             <m:ctrlPr>
-                              <a:rPr lang="ko-KR" altLang="ko-KR" sz="1600" i="1"/>
+                              <a:rPr lang="ko-KR" altLang="ko-KR" sz="1600" i="1">
+                                <a:latin typeface="Cambria Math" panose="02040503050406030204" pitchFamily="18" charset="0"/>
+                              </a:rPr>
                             </m:ctrlPr>
                           </m:fPr>
                           <m:num>
                             <m:r>
-                              <a:rPr lang="en-US" altLang="ko-KR" sz="1600" i="1"/>
+                              <a:rPr lang="en-US" altLang="ko-KR" sz="1600" i="1">
+                                <a:latin typeface="Cambria Math" panose="02040503050406030204" pitchFamily="18" charset="0"/>
+                              </a:rPr>
                               <m:t>𝑝</m:t>
                             </m:r>
                             <m:r>
-                              <a:rPr lang="en-US" altLang="ko-KR" sz="1600" i="1"/>
+                              <a:rPr lang="en-US" altLang="ko-KR" sz="1600" i="1">
+                                <a:latin typeface="Cambria Math" panose="02040503050406030204" pitchFamily="18" charset="0"/>
+                              </a:rPr>
                               <m:t>−</m:t>
                             </m:r>
                             <m:sSub>
                               <m:sSubPr>
                                 <m:ctrlPr>
-                                  <a:rPr lang="ko-KR" altLang="ko-KR" sz="1600" i="1"/>
+                                  <a:rPr lang="ko-KR" altLang="ko-KR" sz="1600" i="1">
+                                    <a:latin typeface="Cambria Math" panose="02040503050406030204" pitchFamily="18" charset="0"/>
+                                  </a:rPr>
                                 </m:ctrlPr>
                               </m:sSubPr>
                               <m:e>
                                 <m:r>
-                                  <a:rPr lang="en-US" altLang="ko-KR" sz="1600" i="1"/>
+                                  <a:rPr lang="en-US" altLang="ko-KR" sz="1600" i="1">
+                                    <a:latin typeface="Cambria Math" panose="02040503050406030204" pitchFamily="18" charset="0"/>
+                                  </a:rPr>
                                   <m:t>𝑝</m:t>
                                 </m:r>
                               </m:e>
                               <m:sub>
                                 <m:r>
-                                  <a:rPr lang="en-US" altLang="ko-KR" sz="1600" i="1"/>
+                                  <a:rPr lang="en-US" altLang="ko-KR" sz="1600" i="1">
+                                    <a:latin typeface="Cambria Math" panose="02040503050406030204" pitchFamily="18" charset="0"/>
+                                  </a:rPr>
                                   <m:t>∞</m:t>
                                 </m:r>
                               </m:sub>
@@ -12529,18 +12556,24 @@
                             <m:f>
                               <m:fPr>
                                 <m:ctrlPr>
-                                  <a:rPr lang="ko-KR" altLang="ko-KR" sz="1600" i="1"/>
+                                  <a:rPr lang="ko-KR" altLang="ko-KR" sz="1600" i="1">
+                                    <a:latin typeface="Cambria Math" panose="02040503050406030204" pitchFamily="18" charset="0"/>
+                                  </a:rPr>
                                 </m:ctrlPr>
                               </m:fPr>
                               <m:num>
                                 <m:r>
-                                  <a:rPr lang="en-US" altLang="ko-KR" sz="1600" i="1"/>
+                                  <a:rPr lang="en-US" altLang="ko-KR" sz="1600" i="1">
+                                    <a:latin typeface="Cambria Math" panose="02040503050406030204" pitchFamily="18" charset="0"/>
+                                  </a:rPr>
                                   <m:t>1</m:t>
                                 </m:r>
                               </m:num>
                               <m:den>
                                 <m:r>
-                                  <a:rPr lang="en-US" altLang="ko-KR" sz="1600" i="1"/>
+                                  <a:rPr lang="en-US" altLang="ko-KR" sz="1600" i="1">
+                                    <a:latin typeface="Cambria Math" panose="02040503050406030204" pitchFamily="18" charset="0"/>
+                                  </a:rPr>
                                   <m:t>2</m:t>
                                 </m:r>
                               </m:den>
@@ -12548,18 +12581,24 @@
                             <m:sSub>
                               <m:sSubPr>
                                 <m:ctrlPr>
-                                  <a:rPr lang="ko-KR" altLang="ko-KR" sz="1600" i="1"/>
+                                  <a:rPr lang="ko-KR" altLang="ko-KR" sz="1600" i="1">
+                                    <a:latin typeface="Cambria Math" panose="02040503050406030204" pitchFamily="18" charset="0"/>
+                                  </a:rPr>
                                 </m:ctrlPr>
                               </m:sSubPr>
                               <m:e>
                                 <m:r>
-                                  <a:rPr lang="en-US" altLang="ko-KR" sz="1600" i="1"/>
+                                  <a:rPr lang="en-US" altLang="ko-KR" sz="1600" i="1">
+                                    <a:latin typeface="Cambria Math" panose="02040503050406030204" pitchFamily="18" charset="0"/>
+                                  </a:rPr>
                                   <m:t>𝜌</m:t>
                                 </m:r>
                               </m:e>
                               <m:sub>
                                 <m:r>
-                                  <a:rPr lang="en-US" altLang="ko-KR" sz="1600" i="1"/>
+                                  <a:rPr lang="en-US" altLang="ko-KR" sz="1600" i="1">
+                                    <a:latin typeface="Cambria Math" panose="02040503050406030204" pitchFamily="18" charset="0"/>
+                                  </a:rPr>
                                   <m:t>∞</m:t>
                                 </m:r>
                               </m:sub>
@@ -12567,24 +12606,32 @@
                             <m:sSubSup>
                               <m:sSubSupPr>
                                 <m:ctrlPr>
-                                  <a:rPr lang="ko-KR" altLang="ko-KR" sz="1600" i="1"/>
+                                  <a:rPr lang="ko-KR" altLang="ko-KR" sz="1600" i="1">
+                                    <a:latin typeface="Cambria Math" panose="02040503050406030204" pitchFamily="18" charset="0"/>
+                                  </a:rPr>
                                 </m:ctrlPr>
                               </m:sSubSupPr>
                               <m:e>
                                 <m:r>
-                                  <a:rPr lang="en-US" altLang="ko-KR" sz="1600" i="1"/>
+                                  <a:rPr lang="en-US" altLang="ko-KR" sz="1600" i="1">
+                                    <a:latin typeface="Cambria Math" panose="02040503050406030204" pitchFamily="18" charset="0"/>
+                                  </a:rPr>
                                   <m:t>𝑉</m:t>
                                 </m:r>
                               </m:e>
                               <m:sub>
                                 <m:r>
-                                  <a:rPr lang="en-US" altLang="ko-KR" sz="1600" i="1"/>
+                                  <a:rPr lang="en-US" altLang="ko-KR" sz="1600" i="1">
+                                    <a:latin typeface="Cambria Math" panose="02040503050406030204" pitchFamily="18" charset="0"/>
+                                  </a:rPr>
                                   <m:t>∞</m:t>
                                 </m:r>
                               </m:sub>
                               <m:sup>
                                 <m:r>
-                                  <a:rPr lang="en-US" altLang="ko-KR" sz="1600" i="1"/>
+                                  <a:rPr lang="en-US" altLang="ko-KR" sz="1600" i="1">
+                                    <a:latin typeface="Cambria Math" panose="02040503050406030204" pitchFamily="18" charset="0"/>
+                                  </a:rPr>
                                   <m:t>2</m:t>
                                 </m:r>
                               </m:sup>
@@ -12599,7 +12646,7 @@
               </p:txBody>
             </p:sp>
           </mc:Choice>
-          <mc:Fallback>
+          <mc:Fallback xmlns="">
             <p:sp>
               <p:nvSpPr>
                 <p:cNvPr id="15" name="TextBox 14">
@@ -12698,7 +12745,7 @@
     <mc:Choice Requires="p14">
       <p:transition/>
     </mc:Choice>
-    <mc:Fallback xmlns="" xmlns:c="http://schemas.openxmlformats.org/drawingml/2006/chart" xmlns:dgm="http://schemas.openxmlformats.org/drawingml/2006/diagram" xmlns:dsp="http://schemas.microsoft.com/office/drawing/2008/diagram">
+    <mc:Fallback xmlns:dsp="http://schemas.microsoft.com/office/drawing/2008/diagram" xmlns:dgm="http://schemas.openxmlformats.org/drawingml/2006/diagram" xmlns:c="http://schemas.openxmlformats.org/drawingml/2006/chart" xmlns="">
       <p:transition/>
     </mc:Fallback>
   </mc:AlternateContent>
@@ -12788,6 +12835,67 @@
           </a:p>
         </p:txBody>
       </p:sp>
+      <p:sp>
+        <p:nvSpPr>
+          <p:cNvPr id="3" name="TextBox 2">
+            <a:extLst>
+              <a:ext uri="{FF2B5EF4-FFF2-40B4-BE49-F238E27FC236}">
+                <a16:creationId xmlns:a16="http://schemas.microsoft.com/office/drawing/2014/main" id="{A2F46CF1-6F82-5B02-CD30-C6651012E5E2}"/>
+              </a:ext>
+            </a:extLst>
+          </p:cNvPr>
+          <p:cNvSpPr txBox="1"/>
+          <p:nvPr/>
+        </p:nvSpPr>
+        <p:spPr>
+          <a:xfrm>
+            <a:off x="6372808" y="5962261"/>
+            <a:ext cx="5943599" cy="461665"/>
+          </a:xfrm>
+          <a:prstGeom prst="rect">
+            <a:avLst/>
+          </a:prstGeom>
+          <a:noFill/>
+        </p:spPr>
+        <p:txBody>
+          <a:bodyPr wrap="square" rtlCol="0">
+            <a:spAutoFit/>
+          </a:bodyPr>
+          <a:lstStyle/>
+          <a:p>
+            <a:r>
+              <a:rPr lang="ko-KR" altLang="en-US" sz="1200" dirty="0"/>
+              <a:t>자세한 사항은 </a:t>
+            </a:r>
+            <a:r>
+              <a:rPr lang="en-US" altLang="ko-KR" sz="1200" dirty="0"/>
+              <a:t>Git hub</a:t>
+            </a:r>
+            <a:r>
+              <a:rPr lang="ko-KR" altLang="en-US" sz="1200" dirty="0"/>
+              <a:t>를 참조해 주시면 감사하겠습니다</a:t>
+            </a:r>
+            <a:r>
+              <a:rPr lang="en-US" altLang="ko-KR" sz="1200" dirty="0"/>
+              <a:t>.</a:t>
+            </a:r>
+            <a:br>
+              <a:rPr lang="en-US" altLang="ko-KR" sz="1200" dirty="0"/>
+            </a:br>
+            <a:r>
+              <a:rPr lang="ko-KR" altLang="en-US" sz="1200" dirty="0"/>
+              <a:t>링크</a:t>
+            </a:r>
+            <a:r>
+              <a:rPr lang="en-US" altLang="ko-KR" sz="1200" dirty="0">
+                <a:hlinkClick r:id="rId3"/>
+              </a:rPr>
+              <a:t>: https://github.com/Bogeuns/CFD_Class_Lecture/tree/main/Lecture/Week_1</a:t>
+            </a:r>
+            <a:endParaRPr lang="ko-KR" altLang="en-US" sz="1200" dirty="0"/>
+          </a:p>
+        </p:txBody>
+      </p:sp>
     </p:spTree>
     <p:extLst>
       <p:ext uri="{BB962C8B-B14F-4D97-AF65-F5344CB8AC3E}">
@@ -12802,7 +12910,7 @@
     <mc:Choice Requires="p14">
       <p:transition/>
     </mc:Choice>
-    <mc:Fallback xmlns="" xmlns:c="http://schemas.openxmlformats.org/drawingml/2006/chart" xmlns:dgm="http://schemas.openxmlformats.org/drawingml/2006/diagram" xmlns:dsp="http://schemas.microsoft.com/office/drawing/2008/diagram">
+    <mc:Fallback xmlns:dsp="http://schemas.microsoft.com/office/drawing/2008/diagram" xmlns:dgm="http://schemas.openxmlformats.org/drawingml/2006/diagram" xmlns:c="http://schemas.openxmlformats.org/drawingml/2006/chart" xmlns="">
       <p:transition/>
     </mc:Fallback>
   </mc:AlternateContent>
@@ -13260,8 +13368,8 @@
           </a:p>
         </p:txBody>
       </p:sp>
-      <mc:AlternateContent xmlns:mc="http://schemas.openxmlformats.org/markup-compatibility/2006">
-        <mc:Choice xmlns:a14="http://schemas.microsoft.com/office/drawing/2010/main" Requires="a14">
+      <mc:AlternateContent xmlns:mc="http://schemas.openxmlformats.org/markup-compatibility/2006" xmlns:a14="http://schemas.microsoft.com/office/drawing/2010/main">
+        <mc:Choice Requires="a14">
           <p:sp>
             <p:nvSpPr>
               <p:cNvPr id="4" name="TextBox 3">
@@ -13437,7 +13545,7 @@
             </p:txBody>
           </p:sp>
         </mc:Choice>
-        <mc:Fallback>
+        <mc:Fallback xmlns="">
           <p:sp>
             <p:nvSpPr>
               <p:cNvPr id="4" name="TextBox 3">
@@ -13496,7 +13604,7 @@
     <mc:Choice Requires="p14">
       <p:transition/>
     </mc:Choice>
-    <mc:Fallback xmlns="" xmlns:c="http://schemas.openxmlformats.org/drawingml/2006/chart" xmlns:dgm="http://schemas.openxmlformats.org/drawingml/2006/diagram" xmlns:dsp="http://schemas.microsoft.com/office/drawing/2008/diagram">
+    <mc:Fallback xmlns:dsp="http://schemas.microsoft.com/office/drawing/2008/diagram" xmlns:dgm="http://schemas.openxmlformats.org/drawingml/2006/diagram" xmlns:c="http://schemas.openxmlformats.org/drawingml/2006/chart" xmlns="">
       <p:transition/>
     </mc:Fallback>
   </mc:AlternateContent>
@@ -15186,7 +15294,7 @@
     <mc:Choice Requires="p14">
       <p:transition/>
     </mc:Choice>
-    <mc:Fallback xmlns="" xmlns:c="http://schemas.openxmlformats.org/drawingml/2006/chart" xmlns:dgm="http://schemas.openxmlformats.org/drawingml/2006/diagram" xmlns:dsp="http://schemas.microsoft.com/office/drawing/2008/diagram">
+    <mc:Fallback xmlns:dsp="http://schemas.microsoft.com/office/drawing/2008/diagram" xmlns:dgm="http://schemas.openxmlformats.org/drawingml/2006/diagram" xmlns:c="http://schemas.openxmlformats.org/drawingml/2006/chart" xmlns="">
       <p:transition/>
     </mc:Fallback>
   </mc:AlternateContent>
@@ -16321,7 +16429,7 @@
     <mc:Choice Requires="p14">
       <p:transition/>
     </mc:Choice>
-    <mc:Fallback xmlns="" xmlns:c="http://schemas.openxmlformats.org/drawingml/2006/chart" xmlns:dgm="http://schemas.openxmlformats.org/drawingml/2006/diagram" xmlns:dsp="http://schemas.microsoft.com/office/drawing/2008/diagram">
+    <mc:Fallback xmlns:dsp="http://schemas.microsoft.com/office/drawing/2008/diagram" xmlns:dgm="http://schemas.openxmlformats.org/drawingml/2006/diagram" xmlns:c="http://schemas.openxmlformats.org/drawingml/2006/chart" xmlns="">
       <p:transition/>
     </mc:Fallback>
   </mc:AlternateContent>
@@ -17528,7 +17636,7 @@
     <mc:Choice Requires="p14">
       <p:transition/>
     </mc:Choice>
-    <mc:Fallback xmlns="" xmlns:c="http://schemas.openxmlformats.org/drawingml/2006/chart" xmlns:dgm="http://schemas.openxmlformats.org/drawingml/2006/diagram" xmlns:dsp="http://schemas.microsoft.com/office/drawing/2008/diagram">
+    <mc:Fallback xmlns:dsp="http://schemas.microsoft.com/office/drawing/2008/diagram" xmlns:dgm="http://schemas.openxmlformats.org/drawingml/2006/diagram" xmlns:c="http://schemas.openxmlformats.org/drawingml/2006/chart" xmlns="">
       <p:transition/>
     </mc:Fallback>
   </mc:AlternateContent>
@@ -18552,7 +18660,7 @@
     <mc:Choice Requires="p14">
       <p:transition/>
     </mc:Choice>
-    <mc:Fallback xmlns="" xmlns:c="http://schemas.openxmlformats.org/drawingml/2006/chart" xmlns:dgm="http://schemas.openxmlformats.org/drawingml/2006/diagram" xmlns:dsp="http://schemas.microsoft.com/office/drawing/2008/diagram">
+    <mc:Fallback xmlns:dsp="http://schemas.microsoft.com/office/drawing/2008/diagram" xmlns:dgm="http://schemas.openxmlformats.org/drawingml/2006/diagram" xmlns:c="http://schemas.openxmlformats.org/drawingml/2006/chart" xmlns="">
       <p:transition/>
     </mc:Fallback>
   </mc:AlternateContent>
@@ -19579,7 +19687,7 @@
     <mc:Choice Requires="p14">
       <p:transition/>
     </mc:Choice>
-    <mc:Fallback xmlns="" xmlns:c="http://schemas.openxmlformats.org/drawingml/2006/chart" xmlns:dgm="http://schemas.openxmlformats.org/drawingml/2006/diagram" xmlns:dsp="http://schemas.microsoft.com/office/drawing/2008/diagram">
+    <mc:Fallback xmlns:dsp="http://schemas.microsoft.com/office/drawing/2008/diagram" xmlns:dgm="http://schemas.openxmlformats.org/drawingml/2006/diagram" xmlns:c="http://schemas.openxmlformats.org/drawingml/2006/chart" xmlns="">
       <p:transition/>
     </mc:Fallback>
   </mc:AlternateContent>
@@ -21271,7 +21379,7 @@
     <mc:Choice Requires="p14">
       <p:transition/>
     </mc:Choice>
-    <mc:Fallback xmlns="" xmlns:c="http://schemas.openxmlformats.org/drawingml/2006/chart" xmlns:dgm="http://schemas.openxmlformats.org/drawingml/2006/diagram" xmlns:dsp="http://schemas.microsoft.com/office/drawing/2008/diagram">
+    <mc:Fallback xmlns:dsp="http://schemas.microsoft.com/office/drawing/2008/diagram" xmlns:dgm="http://schemas.openxmlformats.org/drawingml/2006/diagram" xmlns:c="http://schemas.openxmlformats.org/drawingml/2006/chart" xmlns="">
       <p:transition/>
     </mc:Fallback>
   </mc:AlternateContent>
@@ -23180,8 +23288,8 @@
             </a:p>
           </p:txBody>
         </p:sp>
-        <mc:AlternateContent xmlns:mc="http://schemas.openxmlformats.org/markup-compatibility/2006">
-          <mc:Choice xmlns:a14="http://schemas.microsoft.com/office/drawing/2010/main" Requires="a14">
+        <mc:AlternateContent xmlns:mc="http://schemas.openxmlformats.org/markup-compatibility/2006" xmlns:a14="http://schemas.microsoft.com/office/drawing/2010/main">
+          <mc:Choice Requires="a14">
             <p:sp>
               <p:nvSpPr>
                 <p:cNvPr id="14" name="TextBox 13">
@@ -23367,7 +23475,7 @@
               </p:txBody>
             </p:sp>
           </mc:Choice>
-          <mc:Fallback>
+          <mc:Fallback xmlns="">
             <p:sp>
               <p:nvSpPr>
                 <p:cNvPr id="14" name="TextBox 13">
@@ -23427,7 +23535,7 @@
     <mc:Choice Requires="p14">
       <p:transition/>
     </mc:Choice>
-    <mc:Fallback xmlns="" xmlns:c="http://schemas.openxmlformats.org/drawingml/2006/chart" xmlns:dgm="http://schemas.openxmlformats.org/drawingml/2006/diagram" xmlns:dsp="http://schemas.microsoft.com/office/drawing/2008/diagram">
+    <mc:Fallback xmlns:dsp="http://schemas.microsoft.com/office/drawing/2008/diagram" xmlns:dgm="http://schemas.openxmlformats.org/drawingml/2006/diagram" xmlns:c="http://schemas.openxmlformats.org/drawingml/2006/chart" xmlns="">
       <p:transition/>
     </mc:Fallback>
   </mc:AlternateContent>

--- a/Lecture/Week_1/Repoert_Week_1.pptx
+++ b/Lecture/Week_1/Repoert_Week_1.pptx
@@ -8924,7 +8924,7 @@
     <mc:Choice Requires="p14">
       <p:transition/>
     </mc:Choice>
-    <mc:Fallback xmlns:dsp="http://schemas.microsoft.com/office/drawing/2008/diagram" xmlns:dgm="http://schemas.openxmlformats.org/drawingml/2006/diagram" xmlns:c="http://schemas.openxmlformats.org/drawingml/2006/chart" xmlns="">
+    <mc:Fallback xmlns="" xmlns:c="http://schemas.openxmlformats.org/drawingml/2006/chart" xmlns:dgm="http://schemas.openxmlformats.org/drawingml/2006/diagram" xmlns:dsp="http://schemas.microsoft.com/office/drawing/2008/diagram">
       <p:transition/>
     </mc:Fallback>
   </mc:AlternateContent>
@@ -9124,7 +9124,7 @@
             <a:p>
               <a:r>
                 <a:rPr lang="en-US" altLang="ko-KR" sz="900" dirty="0"/>
-                <a:t>Fig. 12 Mach</a:t>
+                <a:t>Fig. 14 Mach</a:t>
               </a:r>
               <a:r>
                 <a:rPr lang="ko-KR" altLang="en-US" sz="900" dirty="0"/>
@@ -9148,7 +9148,7 @@
         </p:nvGrpSpPr>
         <p:grpSpPr>
           <a:xfrm>
-            <a:off x="8771177" y="3622424"/>
+            <a:off x="8164124" y="3475106"/>
             <a:ext cx="2994727" cy="3088073"/>
             <a:chOff x="2444859" y="1812392"/>
             <a:chExt cx="567796" cy="585494"/>
@@ -9219,7 +9219,7 @@
             <a:p>
               <a:r>
                 <a:rPr lang="en-US" altLang="ko-KR" sz="900" dirty="0"/>
-                <a:t>Fig. 13 Mach Polt</a:t>
+                <a:t>Fig. 15 Mach Polt</a:t>
               </a:r>
             </a:p>
           </p:txBody>
@@ -10436,7 +10436,7 @@
     <mc:Choice Requires="p14">
       <p:transition/>
     </mc:Choice>
-    <mc:Fallback xmlns:dsp="http://schemas.microsoft.com/office/drawing/2008/diagram" xmlns:dgm="http://schemas.openxmlformats.org/drawingml/2006/diagram" xmlns:c="http://schemas.openxmlformats.org/drawingml/2006/chart" xmlns="">
+    <mc:Fallback xmlns="" xmlns:c="http://schemas.openxmlformats.org/drawingml/2006/chart" xmlns:dgm="http://schemas.openxmlformats.org/drawingml/2006/diagram" xmlns:dsp="http://schemas.microsoft.com/office/drawing/2008/diagram">
       <p:transition/>
     </mc:Fallback>
   </mc:AlternateContent>
@@ -10717,7 +10717,7 @@
             <a:p>
               <a:r>
                 <a:rPr lang="en-US" altLang="ko-KR" sz="900" dirty="0"/>
-                <a:t>Fig. 14 Cp </a:t>
+                <a:t>Fig. 16 Cp </a:t>
               </a:r>
               <a:r>
                 <a:rPr lang="ko-KR" altLang="en-US" sz="900" dirty="0"/>
@@ -12745,7 +12745,7 @@
     <mc:Choice Requires="p14">
       <p:transition/>
     </mc:Choice>
-    <mc:Fallback xmlns:dsp="http://schemas.microsoft.com/office/drawing/2008/diagram" xmlns:dgm="http://schemas.openxmlformats.org/drawingml/2006/diagram" xmlns:c="http://schemas.openxmlformats.org/drawingml/2006/chart" xmlns="">
+    <mc:Fallback xmlns="" xmlns:c="http://schemas.openxmlformats.org/drawingml/2006/chart" xmlns:dgm="http://schemas.openxmlformats.org/drawingml/2006/diagram" xmlns:dsp="http://schemas.microsoft.com/office/drawing/2008/diagram">
       <p:transition/>
     </mc:Fallback>
   </mc:AlternateContent>
@@ -12890,7 +12890,7 @@
               <a:rPr lang="en-US" altLang="ko-KR" sz="1200" dirty="0">
                 <a:hlinkClick r:id="rId3"/>
               </a:rPr>
-              <a:t>: https://github.com/Bogeuns/CFD_Class_Lecture/tree/main/Lecture/Week_1</a:t>
+              <a:t>:https://github.com/Bogeuns/CFD_Class_Lecture/tree/main/Lecture/Week_1</a:t>
             </a:r>
             <a:endParaRPr lang="ko-KR" altLang="en-US" sz="1200" dirty="0"/>
           </a:p>
@@ -12910,7 +12910,7 @@
     <mc:Choice Requires="p14">
       <p:transition/>
     </mc:Choice>
-    <mc:Fallback xmlns:dsp="http://schemas.microsoft.com/office/drawing/2008/diagram" xmlns:dgm="http://schemas.openxmlformats.org/drawingml/2006/diagram" xmlns:c="http://schemas.openxmlformats.org/drawingml/2006/chart" xmlns="">
+    <mc:Fallback xmlns="" xmlns:c="http://schemas.openxmlformats.org/drawingml/2006/chart" xmlns:dgm="http://schemas.openxmlformats.org/drawingml/2006/diagram" xmlns:dsp="http://schemas.microsoft.com/office/drawing/2008/diagram">
       <p:transition/>
     </mc:Fallback>
   </mc:AlternateContent>
@@ -12973,409 +12973,52 @@
           </a:p>
         </p:txBody>
       </p:sp>
-      <p:sp>
-        <p:nvSpPr>
-          <p:cNvPr id="5" name="TextBox 4">
+      <p:grpSp>
+        <p:nvGrpSpPr>
+          <p:cNvPr id="16" name="그룹 15">
             <a:extLst>
               <a:ext uri="{FF2B5EF4-FFF2-40B4-BE49-F238E27FC236}">
-                <a16:creationId xmlns:a16="http://schemas.microsoft.com/office/drawing/2014/main" id="{4DA15C0D-DAF2-0646-9D89-9915C9F693D2}"/>
+                <a16:creationId xmlns:a16="http://schemas.microsoft.com/office/drawing/2014/main" id="{282AF2DB-BD31-EE0E-DCEB-06D1E4F7BC6B}"/>
               </a:ext>
             </a:extLst>
           </p:cNvPr>
-          <p:cNvSpPr txBox="1"/>
+          <p:cNvGrpSpPr/>
           <p:nvPr/>
-        </p:nvSpPr>
-        <p:spPr>
+        </p:nvGrpSpPr>
+        <p:grpSpPr>
           <a:xfrm>
-            <a:off x="386292" y="3066072"/>
-            <a:ext cx="2502186" cy="369332"/>
+            <a:off x="1198398" y="1659762"/>
+            <a:ext cx="8171455" cy="3760906"/>
+            <a:chOff x="1170406" y="1855705"/>
+            <a:chExt cx="8171455" cy="3760906"/>
           </a:xfrm>
-          <a:prstGeom prst="rect">
-            <a:avLst/>
-          </a:prstGeom>
-          <a:noFill/>
-        </p:spPr>
-        <p:txBody>
-          <a:bodyPr wrap="square" rtlCol="0">
-            <a:spAutoFit/>
-          </a:bodyPr>
-          <a:lstStyle/>
-          <a:p>
-            <a:r>
-              <a:rPr lang="en-US" dirty="0">
-                <a:latin typeface="Times New Roman" panose="02020603050405020304" pitchFamily="18" charset="0"/>
-                <a:cs typeface="Times New Roman" panose="02020603050405020304" pitchFamily="18" charset="0"/>
-              </a:rPr>
-              <a:t>2. </a:t>
-            </a:r>
-            <a:r>
-              <a:rPr lang="ko-KR" altLang="en-US" dirty="0">
-                <a:latin typeface="Times New Roman" panose="02020603050405020304" pitchFamily="18" charset="0"/>
-                <a:cs typeface="Times New Roman" panose="02020603050405020304" pitchFamily="18" charset="0"/>
-              </a:rPr>
-              <a:t>해석 실행</a:t>
-            </a:r>
-            <a:endParaRPr lang="en-US" dirty="0">
-              <a:latin typeface="Times New Roman" panose="02020603050405020304" pitchFamily="18" charset="0"/>
-              <a:cs typeface="Times New Roman" panose="02020603050405020304" pitchFamily="18" charset="0"/>
-            </a:endParaRPr>
-          </a:p>
-        </p:txBody>
-      </p:sp>
-      <p:sp>
-        <p:nvSpPr>
-          <p:cNvPr id="6" name="TextBox 5">
-            <a:extLst>
-              <a:ext uri="{FF2B5EF4-FFF2-40B4-BE49-F238E27FC236}">
-                <a16:creationId xmlns:a16="http://schemas.microsoft.com/office/drawing/2014/main" id="{04207B47-2420-D596-9FA9-5B46055C90FE}"/>
-              </a:ext>
-            </a:extLst>
-          </p:cNvPr>
-          <p:cNvSpPr txBox="1"/>
-          <p:nvPr/>
-        </p:nvSpPr>
-        <p:spPr>
-          <a:xfrm>
-            <a:off x="386292" y="4548905"/>
-            <a:ext cx="2731376" cy="369332"/>
-          </a:xfrm>
-          <a:prstGeom prst="rect">
-            <a:avLst/>
-          </a:prstGeom>
-          <a:noFill/>
-        </p:spPr>
-        <p:txBody>
-          <a:bodyPr wrap="square" rtlCol="0">
-            <a:spAutoFit/>
-          </a:bodyPr>
-          <a:lstStyle/>
-          <a:p>
-            <a:r>
-              <a:rPr lang="en-US" altLang="ko-KR" dirty="0"/>
-              <a:t>3. </a:t>
-            </a:r>
-            <a:r>
-              <a:rPr lang="ko-KR" altLang="en-US" dirty="0"/>
-              <a:t>해석 결과</a:t>
-            </a:r>
-            <a:endParaRPr lang="en-US" dirty="0">
-              <a:latin typeface="Times New Roman" panose="02020603050405020304" pitchFamily="18" charset="0"/>
-              <a:cs typeface="Times New Roman" panose="02020603050405020304" pitchFamily="18" charset="0"/>
-            </a:endParaRPr>
-          </a:p>
-        </p:txBody>
-      </p:sp>
-      <p:sp>
-        <p:nvSpPr>
-          <p:cNvPr id="7" name="TextBox 6">
-            <a:extLst>
-              <a:ext uri="{FF2B5EF4-FFF2-40B4-BE49-F238E27FC236}">
-                <a16:creationId xmlns:a16="http://schemas.microsoft.com/office/drawing/2014/main" id="{0E28E222-1544-9B9F-904C-4531EE3F94D9}"/>
-              </a:ext>
-            </a:extLst>
-          </p:cNvPr>
-          <p:cNvSpPr txBox="1"/>
-          <p:nvPr/>
-        </p:nvSpPr>
-        <p:spPr>
-          <a:xfrm>
-            <a:off x="339981" y="1583240"/>
-            <a:ext cx="3228578" cy="369332"/>
-          </a:xfrm>
-          <a:prstGeom prst="rect">
-            <a:avLst/>
-          </a:prstGeom>
-          <a:noFill/>
-        </p:spPr>
-        <p:txBody>
-          <a:bodyPr wrap="square" rtlCol="0">
-            <a:spAutoFit/>
-          </a:bodyPr>
-          <a:lstStyle/>
-          <a:p>
-            <a:r>
-              <a:rPr lang="en-US" altLang="ko-KR" dirty="0"/>
-              <a:t>1. SU2</a:t>
-            </a:r>
-            <a:r>
-              <a:rPr lang="ko-KR" altLang="en-US" dirty="0"/>
-              <a:t> 설치</a:t>
-            </a:r>
-            <a:endParaRPr lang="en-US" dirty="0">
-              <a:latin typeface="Times New Roman" panose="02020603050405020304" pitchFamily="18" charset="0"/>
-              <a:cs typeface="Times New Roman" panose="02020603050405020304" pitchFamily="18" charset="0"/>
-            </a:endParaRPr>
-          </a:p>
-        </p:txBody>
-      </p:sp>
-      <p:sp>
-        <p:nvSpPr>
-          <p:cNvPr id="14" name="TextBox 13">
-            <a:extLst>
-              <a:ext uri="{FF2B5EF4-FFF2-40B4-BE49-F238E27FC236}">
-                <a16:creationId xmlns:a16="http://schemas.microsoft.com/office/drawing/2014/main" id="{A8535E82-2F65-8EFC-1E9F-ABEF8C2B8597}"/>
-              </a:ext>
-            </a:extLst>
-          </p:cNvPr>
-          <p:cNvSpPr txBox="1"/>
-          <p:nvPr/>
-        </p:nvSpPr>
-        <p:spPr>
-          <a:xfrm>
-            <a:off x="3614870" y="1637101"/>
-            <a:ext cx="7845040" cy="430887"/>
-          </a:xfrm>
-          <a:prstGeom prst="rect">
-            <a:avLst/>
-          </a:prstGeom>
-          <a:noFill/>
-        </p:spPr>
-        <p:txBody>
-          <a:bodyPr wrap="square" rtlCol="0">
-            <a:spAutoFit/>
-          </a:bodyPr>
-          <a:lstStyle/>
-          <a:p>
-            <a:pPr marL="228600" indent="-228600">
-              <a:buAutoNum type="arabicPeriod"/>
-            </a:pPr>
-            <a:r>
-              <a:rPr lang="en-US" altLang="ko-KR" sz="1100" dirty="0">
-                <a:solidFill>
-                  <a:schemeClr val="tx1">
-                    <a:lumMod val="65000"/>
-                    <a:lumOff val="35000"/>
-                  </a:schemeClr>
-                </a:solidFill>
-              </a:rPr>
-              <a:t>SU2 </a:t>
-            </a:r>
-            <a:r>
-              <a:rPr lang="ko-KR" altLang="en-US" sz="1100" dirty="0">
-                <a:solidFill>
-                  <a:schemeClr val="tx1">
-                    <a:lumMod val="65000"/>
-                    <a:lumOff val="35000"/>
-                  </a:schemeClr>
-                </a:solidFill>
-              </a:rPr>
-              <a:t>다운로드</a:t>
-            </a:r>
-            <a:endParaRPr lang="en-US" altLang="ko-KR" sz="1100" dirty="0">
-              <a:solidFill>
-                <a:schemeClr val="tx1">
-                  <a:lumMod val="65000"/>
-                  <a:lumOff val="35000"/>
-                </a:schemeClr>
-              </a:solidFill>
-            </a:endParaRPr>
-          </a:p>
-          <a:p>
-            <a:pPr marL="228600" indent="-228600">
-              <a:buAutoNum type="arabicPeriod"/>
-            </a:pPr>
-            <a:r>
-              <a:rPr lang="ko-KR" altLang="en-US" sz="1100" dirty="0">
-                <a:solidFill>
-                  <a:schemeClr val="tx1">
-                    <a:lumMod val="65000"/>
-                    <a:lumOff val="35000"/>
-                  </a:schemeClr>
-                </a:solidFill>
-              </a:rPr>
-              <a:t>환경변수</a:t>
-            </a:r>
-            <a:endParaRPr lang="en-US" altLang="ko-KR" sz="1100" dirty="0">
-              <a:solidFill>
-                <a:schemeClr val="tx1">
-                  <a:lumMod val="65000"/>
-                  <a:lumOff val="35000"/>
-                </a:schemeClr>
-              </a:solidFill>
-            </a:endParaRPr>
-          </a:p>
-        </p:txBody>
-      </p:sp>
-      <p:sp>
-        <p:nvSpPr>
-          <p:cNvPr id="2" name="TextBox 1">
-            <a:extLst>
-              <a:ext uri="{FF2B5EF4-FFF2-40B4-BE49-F238E27FC236}">
-                <a16:creationId xmlns:a16="http://schemas.microsoft.com/office/drawing/2014/main" id="{C931E539-93E5-9BBF-5C87-5A327EBB684A}"/>
-              </a:ext>
-            </a:extLst>
-          </p:cNvPr>
-          <p:cNvSpPr txBox="1"/>
-          <p:nvPr/>
-        </p:nvSpPr>
-        <p:spPr>
-          <a:xfrm>
-            <a:off x="3614870" y="3119933"/>
-            <a:ext cx="7845040" cy="769441"/>
-          </a:xfrm>
-          <a:prstGeom prst="rect">
-            <a:avLst/>
-          </a:prstGeom>
-          <a:noFill/>
-        </p:spPr>
-        <p:txBody>
-          <a:bodyPr wrap="square" rtlCol="0">
-            <a:spAutoFit/>
-          </a:bodyPr>
-          <a:lstStyle/>
-          <a:p>
-            <a:pPr marL="228600" indent="-228600">
-              <a:buAutoNum type="arabicPeriod"/>
-            </a:pPr>
-            <a:r>
-              <a:rPr lang="ko-KR" altLang="en-US" sz="1100" dirty="0">
-                <a:solidFill>
-                  <a:schemeClr val="tx1">
-                    <a:lumMod val="65000"/>
-                    <a:lumOff val="35000"/>
-                  </a:schemeClr>
-                </a:solidFill>
-              </a:rPr>
-              <a:t>변수 설정</a:t>
-            </a:r>
-            <a:endParaRPr lang="en-US" altLang="ko-KR" sz="1100" dirty="0">
-              <a:solidFill>
-                <a:schemeClr val="tx1">
-                  <a:lumMod val="65000"/>
-                  <a:lumOff val="35000"/>
-                </a:schemeClr>
-              </a:solidFill>
-            </a:endParaRPr>
-          </a:p>
-          <a:p>
-            <a:pPr marL="228600" indent="-228600">
-              <a:buAutoNum type="arabicPeriod"/>
-            </a:pPr>
-            <a:r>
-              <a:rPr lang="en-US" altLang="ko-KR" sz="1100" dirty="0">
-                <a:solidFill>
-                  <a:schemeClr val="tx1">
-                    <a:lumMod val="65000"/>
-                    <a:lumOff val="35000"/>
-                  </a:schemeClr>
-                </a:solidFill>
-              </a:rPr>
-              <a:t>SU2 </a:t>
-            </a:r>
-            <a:r>
-              <a:rPr lang="ko-KR" altLang="en-US" sz="1100" dirty="0">
-                <a:solidFill>
-                  <a:schemeClr val="tx1">
-                    <a:lumMod val="65000"/>
-                    <a:lumOff val="35000"/>
-                  </a:schemeClr>
-                </a:solidFill>
-              </a:rPr>
-              <a:t>실행</a:t>
-            </a:r>
-            <a:endParaRPr lang="en-US" altLang="ko-KR" sz="1100" dirty="0">
-              <a:solidFill>
-                <a:schemeClr val="tx1">
-                  <a:lumMod val="65000"/>
-                  <a:lumOff val="35000"/>
-                </a:schemeClr>
-              </a:solidFill>
-            </a:endParaRPr>
-          </a:p>
-          <a:p>
-            <a:pPr marL="228600" indent="-228600">
-              <a:buAutoNum type="arabicPeriod"/>
-            </a:pPr>
-            <a:r>
-              <a:rPr lang="en-US" altLang="ko-KR" sz="1100" dirty="0" err="1">
-                <a:solidFill>
-                  <a:schemeClr val="tx1">
-                    <a:lumMod val="65000"/>
-                    <a:lumOff val="35000"/>
-                  </a:schemeClr>
-                </a:solidFill>
-              </a:rPr>
-              <a:t>Paraview</a:t>
-            </a:r>
-            <a:r>
-              <a:rPr lang="ko-KR" altLang="en-US" sz="1100" dirty="0">
-                <a:solidFill>
-                  <a:schemeClr val="tx1">
-                    <a:lumMod val="65000"/>
-                    <a:lumOff val="35000"/>
-                  </a:schemeClr>
-                </a:solidFill>
-              </a:rPr>
-              <a:t> 설정</a:t>
-            </a:r>
-            <a:endParaRPr lang="en-US" altLang="ko-KR" sz="1100" dirty="0">
-              <a:solidFill>
-                <a:schemeClr val="tx1">
-                  <a:lumMod val="65000"/>
-                  <a:lumOff val="35000"/>
-                </a:schemeClr>
-              </a:solidFill>
-            </a:endParaRPr>
-          </a:p>
-          <a:p>
-            <a:pPr marL="228600" indent="-228600">
-              <a:buAutoNum type="arabicPeriod"/>
-            </a:pPr>
-            <a:r>
-              <a:rPr lang="ko-KR" altLang="en-US" sz="1100" dirty="0">
-                <a:solidFill>
-                  <a:schemeClr val="tx1">
-                    <a:lumMod val="65000"/>
-                    <a:lumOff val="35000"/>
-                  </a:schemeClr>
-                </a:solidFill>
-              </a:rPr>
-              <a:t>해석 격자 조건</a:t>
-            </a:r>
-            <a:r>
-              <a:rPr lang="en-US" altLang="ko-KR" sz="1100" dirty="0">
-                <a:solidFill>
-                  <a:schemeClr val="tx1">
-                    <a:lumMod val="65000"/>
-                    <a:lumOff val="35000"/>
-                  </a:schemeClr>
-                </a:solidFill>
-              </a:rPr>
-              <a:t>(</a:t>
-            </a:r>
-            <a:r>
-              <a:rPr lang="ko-KR" altLang="en-US" sz="1100" dirty="0">
-                <a:solidFill>
-                  <a:schemeClr val="tx1">
-                    <a:lumMod val="65000"/>
-                    <a:lumOff val="35000"/>
-                  </a:schemeClr>
-                </a:solidFill>
-              </a:rPr>
-              <a:t>예시</a:t>
-            </a:r>
-            <a:r>
-              <a:rPr lang="en-US" altLang="ko-KR" sz="1100" dirty="0">
-                <a:solidFill>
-                  <a:schemeClr val="tx1">
-                    <a:lumMod val="65000"/>
-                    <a:lumOff val="35000"/>
-                  </a:schemeClr>
-                </a:solidFill>
-              </a:rPr>
-              <a:t>)</a:t>
-            </a:r>
-          </a:p>
-        </p:txBody>
-      </p:sp>
-      <mc:AlternateContent xmlns:mc="http://schemas.openxmlformats.org/markup-compatibility/2006" xmlns:a14="http://schemas.microsoft.com/office/drawing/2010/main">
-        <mc:Choice Requires="a14">
+        </p:grpSpPr>
+        <p:grpSp>
+          <p:nvGrpSpPr>
+            <p:cNvPr id="12" name="그룹 11">
+              <a:extLst>
+                <a:ext uri="{FF2B5EF4-FFF2-40B4-BE49-F238E27FC236}">
+                  <a16:creationId xmlns:a16="http://schemas.microsoft.com/office/drawing/2014/main" id="{B4127BBD-42EB-1710-F0BE-607FADD9B81D}"/>
+                </a:ext>
+              </a:extLst>
+            </p:cNvPr>
+            <p:cNvGrpSpPr/>
+            <p:nvPr/>
+          </p:nvGrpSpPr>
+          <p:grpSpPr>
+            <a:xfrm>
+              <a:off x="1170406" y="1855705"/>
+              <a:ext cx="8171455" cy="823301"/>
+              <a:chOff x="339981" y="1583240"/>
+              <a:chExt cx="8171455" cy="823301"/>
+            </a:xfrm>
+          </p:grpSpPr>
           <p:sp>
             <p:nvSpPr>
-              <p:cNvPr id="4" name="TextBox 3">
+              <p:cNvPr id="7" name="TextBox 6">
                 <a:extLst>
                   <a:ext uri="{FF2B5EF4-FFF2-40B4-BE49-F238E27FC236}">
-                    <a16:creationId xmlns:a16="http://schemas.microsoft.com/office/drawing/2014/main" id="{DDC00E0E-D246-A59E-2945-93753F20C31A}"/>
+                    <a16:creationId xmlns:a16="http://schemas.microsoft.com/office/drawing/2014/main" id="{0E28E222-1544-9B9F-904C-4531EE3F94D9}"/>
                   </a:ext>
                 </a:extLst>
               </p:cNvPr>
@@ -13384,8 +13027,8 @@
             </p:nvSpPr>
             <p:spPr>
               <a:xfrm>
-                <a:off x="3614870" y="4602766"/>
-                <a:ext cx="7845040" cy="613181"/>
+                <a:off x="339981" y="1583240"/>
+                <a:ext cx="3228578" cy="369332"/>
               </a:xfrm>
               <a:prstGeom prst="rect">
                 <a:avLst/>
@@ -13399,6 +13042,52 @@
               <a:lstStyle/>
               <a:p>
                 <a:r>
+                  <a:rPr lang="en-US" altLang="ko-KR" dirty="0"/>
+                  <a:t>1. SU2</a:t>
+                </a:r>
+                <a:r>
+                  <a:rPr lang="ko-KR" altLang="en-US" dirty="0"/>
+                  <a:t> 설치</a:t>
+                </a:r>
+                <a:endParaRPr lang="en-US" dirty="0">
+                  <a:latin typeface="Times New Roman" panose="02020603050405020304" pitchFamily="18" charset="0"/>
+                  <a:cs typeface="Times New Roman" panose="02020603050405020304" pitchFamily="18" charset="0"/>
+                </a:endParaRPr>
+              </a:p>
+            </p:txBody>
+          </p:sp>
+          <p:sp>
+            <p:nvSpPr>
+              <p:cNvPr id="14" name="TextBox 13">
+                <a:extLst>
+                  <a:ext uri="{FF2B5EF4-FFF2-40B4-BE49-F238E27FC236}">
+                    <a16:creationId xmlns:a16="http://schemas.microsoft.com/office/drawing/2014/main" id="{A8535E82-2F65-8EFC-1E9F-ABEF8C2B8597}"/>
+                  </a:ext>
+                </a:extLst>
+              </p:cNvPr>
+              <p:cNvSpPr txBox="1"/>
+              <p:nvPr/>
+            </p:nvSpPr>
+            <p:spPr>
+              <a:xfrm>
+                <a:off x="666396" y="1975654"/>
+                <a:ext cx="7845040" cy="430887"/>
+              </a:xfrm>
+              <a:prstGeom prst="rect">
+                <a:avLst/>
+              </a:prstGeom>
+              <a:noFill/>
+            </p:spPr>
+            <p:txBody>
+              <a:bodyPr wrap="square" rtlCol="0">
+                <a:spAutoFit/>
+              </a:bodyPr>
+              <a:lstStyle/>
+              <a:p>
+                <a:pPr marL="228600" indent="-228600">
+                  <a:buAutoNum type="arabicPeriod"/>
+                </a:pPr>
+                <a:r>
                   <a:rPr lang="en-US" altLang="ko-KR" sz="1100" dirty="0">
                     <a:solidFill>
                       <a:schemeClr val="tx1">
@@ -13407,7 +13096,7 @@
                       </a:schemeClr>
                     </a:solidFill>
                   </a:rPr>
-                  <a:t>1. </a:t>
+                  <a:t>SU2 </a:t>
                 </a:r>
                 <a:r>
                   <a:rPr lang="ko-KR" altLang="en-US" sz="1100" dirty="0">
@@ -13418,8 +13107,168 @@
                       </a:schemeClr>
                     </a:solidFill>
                   </a:rPr>
-                  <a:t>해석 결과</a:t>
+                  <a:t>다운로드</a:t>
                 </a:r>
+                <a:endParaRPr lang="en-US" altLang="ko-KR" sz="1100" dirty="0">
+                  <a:solidFill>
+                    <a:schemeClr val="tx1">
+                      <a:lumMod val="65000"/>
+                      <a:lumOff val="35000"/>
+                    </a:schemeClr>
+                  </a:solidFill>
+                </a:endParaRPr>
+              </a:p>
+              <a:p>
+                <a:pPr marL="228600" indent="-228600">
+                  <a:buAutoNum type="arabicPeriod"/>
+                </a:pPr>
+                <a:r>
+                  <a:rPr lang="ko-KR" altLang="en-US" sz="1100" dirty="0">
+                    <a:solidFill>
+                      <a:schemeClr val="tx1">
+                        <a:lumMod val="65000"/>
+                        <a:lumOff val="35000"/>
+                      </a:schemeClr>
+                    </a:solidFill>
+                  </a:rPr>
+                  <a:t>환경변수</a:t>
+                </a:r>
+                <a:endParaRPr lang="en-US" altLang="ko-KR" sz="1100" dirty="0">
+                  <a:solidFill>
+                    <a:schemeClr val="tx1">
+                      <a:lumMod val="65000"/>
+                      <a:lumOff val="35000"/>
+                    </a:schemeClr>
+                  </a:solidFill>
+                </a:endParaRPr>
+              </a:p>
+            </p:txBody>
+          </p:sp>
+        </p:grpSp>
+        <p:grpSp>
+          <p:nvGrpSpPr>
+            <p:cNvPr id="13" name="그룹 12">
+              <a:extLst>
+                <a:ext uri="{FF2B5EF4-FFF2-40B4-BE49-F238E27FC236}">
+                  <a16:creationId xmlns:a16="http://schemas.microsoft.com/office/drawing/2014/main" id="{4EC5D2BF-F86E-8694-974C-935336C3DC2C}"/>
+                </a:ext>
+              </a:extLst>
+            </p:cNvPr>
+            <p:cNvGrpSpPr/>
+            <p:nvPr/>
+          </p:nvGrpSpPr>
+          <p:grpSpPr>
+            <a:xfrm>
+              <a:off x="1216717" y="3126001"/>
+              <a:ext cx="8125144" cy="1138769"/>
+              <a:chOff x="386292" y="3066072"/>
+              <a:chExt cx="8125144" cy="1138769"/>
+            </a:xfrm>
+          </p:grpSpPr>
+          <p:sp>
+            <p:nvSpPr>
+              <p:cNvPr id="5" name="TextBox 4">
+                <a:extLst>
+                  <a:ext uri="{FF2B5EF4-FFF2-40B4-BE49-F238E27FC236}">
+                    <a16:creationId xmlns:a16="http://schemas.microsoft.com/office/drawing/2014/main" id="{4DA15C0D-DAF2-0646-9D89-9915C9F693D2}"/>
+                  </a:ext>
+                </a:extLst>
+              </p:cNvPr>
+              <p:cNvSpPr txBox="1"/>
+              <p:nvPr/>
+            </p:nvSpPr>
+            <p:spPr>
+              <a:xfrm>
+                <a:off x="386292" y="3066072"/>
+                <a:ext cx="2502186" cy="369332"/>
+              </a:xfrm>
+              <a:prstGeom prst="rect">
+                <a:avLst/>
+              </a:prstGeom>
+              <a:noFill/>
+            </p:spPr>
+            <p:txBody>
+              <a:bodyPr wrap="square" rtlCol="0">
+                <a:spAutoFit/>
+              </a:bodyPr>
+              <a:lstStyle/>
+              <a:p>
+                <a:r>
+                  <a:rPr lang="en-US" dirty="0">
+                    <a:latin typeface="Times New Roman" panose="02020603050405020304" pitchFamily="18" charset="0"/>
+                    <a:cs typeface="Times New Roman" panose="02020603050405020304" pitchFamily="18" charset="0"/>
+                  </a:rPr>
+                  <a:t>2. </a:t>
+                </a:r>
+                <a:r>
+                  <a:rPr lang="ko-KR" altLang="en-US" dirty="0">
+                    <a:latin typeface="Times New Roman" panose="02020603050405020304" pitchFamily="18" charset="0"/>
+                    <a:cs typeface="Times New Roman" panose="02020603050405020304" pitchFamily="18" charset="0"/>
+                  </a:rPr>
+                  <a:t>해석 실행</a:t>
+                </a:r>
+                <a:endParaRPr lang="en-US" dirty="0">
+                  <a:latin typeface="Times New Roman" panose="02020603050405020304" pitchFamily="18" charset="0"/>
+                  <a:cs typeface="Times New Roman" panose="02020603050405020304" pitchFamily="18" charset="0"/>
+                </a:endParaRPr>
+              </a:p>
+            </p:txBody>
+          </p:sp>
+          <p:sp>
+            <p:nvSpPr>
+              <p:cNvPr id="2" name="TextBox 1">
+                <a:extLst>
+                  <a:ext uri="{FF2B5EF4-FFF2-40B4-BE49-F238E27FC236}">
+                    <a16:creationId xmlns:a16="http://schemas.microsoft.com/office/drawing/2014/main" id="{C931E539-93E5-9BBF-5C87-5A327EBB684A}"/>
+                  </a:ext>
+                </a:extLst>
+              </p:cNvPr>
+              <p:cNvSpPr txBox="1"/>
+              <p:nvPr/>
+            </p:nvSpPr>
+            <p:spPr>
+              <a:xfrm>
+                <a:off x="666396" y="3435400"/>
+                <a:ext cx="7845040" cy="769441"/>
+              </a:xfrm>
+              <a:prstGeom prst="rect">
+                <a:avLst/>
+              </a:prstGeom>
+              <a:noFill/>
+            </p:spPr>
+            <p:txBody>
+              <a:bodyPr wrap="square" rtlCol="0">
+                <a:spAutoFit/>
+              </a:bodyPr>
+              <a:lstStyle/>
+              <a:p>
+                <a:pPr marL="228600" indent="-228600">
+                  <a:buAutoNum type="arabicPeriod"/>
+                </a:pPr>
+                <a:r>
+                  <a:rPr lang="ko-KR" altLang="en-US" sz="1100" dirty="0">
+                    <a:solidFill>
+                      <a:schemeClr val="tx1">
+                        <a:lumMod val="65000"/>
+                        <a:lumOff val="35000"/>
+                      </a:schemeClr>
+                    </a:solidFill>
+                  </a:rPr>
+                  <a:t>변수 설정</a:t>
+                </a:r>
+                <a:endParaRPr lang="en-US" altLang="ko-KR" sz="1100" dirty="0">
+                  <a:solidFill>
+                    <a:schemeClr val="tx1">
+                      <a:lumMod val="65000"/>
+                      <a:lumOff val="35000"/>
+                    </a:schemeClr>
+                  </a:solidFill>
+                </a:endParaRPr>
+              </a:p>
+              <a:p>
+                <a:pPr marL="228600" indent="-228600">
+                  <a:buAutoNum type="arabicPeriod"/>
+                </a:pPr>
                 <a:r>
                   <a:rPr lang="en-US" altLang="ko-KR" sz="1100" dirty="0">
                     <a:solidFill>
@@ -13429,20 +13278,7 @@
                       </a:schemeClr>
                     </a:solidFill>
                   </a:rPr>
-                  <a:t>(Pressure)</a:t>
-                </a:r>
-              </a:p>
-              <a:p>
-                <a:r>
-                  <a:rPr lang="en-US" altLang="ko-KR" sz="1100" dirty="0">
-                    <a:solidFill>
-                      <a:schemeClr val="tx1">
-                        <a:lumMod val="65000"/>
-                        <a:lumOff val="35000"/>
-                      </a:schemeClr>
-                    </a:solidFill>
-                  </a:rPr>
-                  <a:t>2. </a:t>
+                  <a:t>SU2 </a:t>
                 </a:r>
                 <a:r>
                   <a:rPr lang="ko-KR" altLang="en-US" sz="1100" dirty="0">
@@ -13453,10 +13289,23 @@
                       </a:schemeClr>
                     </a:solidFill>
                   </a:rPr>
-                  <a:t>해석 결과</a:t>
+                  <a:t>실행</a:t>
                 </a:r>
+                <a:endParaRPr lang="en-US" altLang="ko-KR" sz="1100" dirty="0">
+                  <a:solidFill>
+                    <a:schemeClr val="tx1">
+                      <a:lumMod val="65000"/>
+                      <a:lumOff val="35000"/>
+                    </a:schemeClr>
+                  </a:solidFill>
+                </a:endParaRPr>
+              </a:p>
+              <a:p>
+                <a:pPr marL="228600" indent="-228600">
+                  <a:buAutoNum type="arabicPeriod"/>
+                </a:pPr>
                 <a:r>
-                  <a:rPr lang="en-US" altLang="ko-KR" sz="1100" dirty="0">
+                  <a:rPr lang="en-US" altLang="ko-KR" sz="1100" dirty="0" err="1">
                     <a:solidFill>
                       <a:schemeClr val="tx1">
                         <a:lumMod val="65000"/>
@@ -13464,20 +13313,7 @@
                       </a:schemeClr>
                     </a:solidFill>
                   </a:rPr>
-                  <a:t>(Mach)</a:t>
-                </a:r>
-              </a:p>
-              <a:p>
-                <a:r>
-                  <a:rPr lang="en-US" altLang="ko-KR" sz="1100" dirty="0">
-                    <a:solidFill>
-                      <a:schemeClr val="tx1">
-                        <a:lumMod val="65000"/>
-                        <a:lumOff val="35000"/>
-                      </a:schemeClr>
-                    </a:solidFill>
-                  </a:rPr>
-                  <a:t>3. </a:t>
+                  <a:t>Paraview</a:t>
                 </a:r>
                 <a:r>
                   <a:rPr lang="ko-KR" altLang="en-US" sz="1100" dirty="0">
@@ -13488,7 +13324,31 @@
                       </a:schemeClr>
                     </a:solidFill>
                   </a:rPr>
-                  <a:t>해석 결과</a:t>
+                  <a:t> 설정</a:t>
+                </a:r>
+                <a:endParaRPr lang="en-US" altLang="ko-KR" sz="1100" dirty="0">
+                  <a:solidFill>
+                    <a:schemeClr val="tx1">
+                      <a:lumMod val="65000"/>
+                      <a:lumOff val="35000"/>
+                    </a:schemeClr>
+                  </a:solidFill>
+                </a:endParaRPr>
+              </a:p>
+              <a:p>
+                <a:pPr marL="228600" indent="-228600">
+                  <a:buAutoNum type="arabicPeriod"/>
+                </a:pPr>
+                <a:r>
+                  <a:rPr lang="ko-KR" altLang="en-US" sz="1100" dirty="0">
+                    <a:solidFill>
+                      <a:schemeClr val="tx1">
+                        <a:lumMod val="65000"/>
+                        <a:lumOff val="35000"/>
+                      </a:schemeClr>
+                    </a:solidFill>
+                  </a:rPr>
+                  <a:t>해석 격자 조건</a:t>
                 </a:r>
                 <a:r>
                   <a:rPr lang="en-US" altLang="ko-KR" sz="1100" dirty="0">
@@ -13501,35 +13361,17 @@
                   </a:rPr>
                   <a:t>(</a:t>
                 </a:r>
-                <a14:m>
-                  <m:oMath xmlns:m="http://schemas.openxmlformats.org/officeDocument/2006/math">
-                    <m:sSub>
-                      <m:sSubPr>
-                        <m:ctrlPr>
-                          <a:rPr lang="ko-KR" altLang="ko-KR" sz="1100" i="1">
-                            <a:latin typeface="Cambria Math" panose="02040503050406030204" pitchFamily="18" charset="0"/>
-                          </a:rPr>
-                        </m:ctrlPr>
-                      </m:sSubPr>
-                      <m:e>
-                        <m:r>
-                          <a:rPr lang="en-US" altLang="ko-KR" sz="1100" i="1">
-                            <a:latin typeface="Cambria Math" panose="02040503050406030204" pitchFamily="18" charset="0"/>
-                          </a:rPr>
-                          <m:t>𝐶</m:t>
-                        </m:r>
-                      </m:e>
-                      <m:sub>
-                        <m:r>
-                          <a:rPr lang="en-US" altLang="ko-KR" sz="1100" i="1">
-                            <a:latin typeface="Cambria Math" panose="02040503050406030204" pitchFamily="18" charset="0"/>
-                          </a:rPr>
-                          <m:t>𝑝</m:t>
-                        </m:r>
-                      </m:sub>
-                    </m:sSub>
-                  </m:oMath>
-                </a14:m>
+                <a:r>
+                  <a:rPr lang="ko-KR" altLang="en-US" sz="1100" dirty="0">
+                    <a:solidFill>
+                      <a:schemeClr val="tx1">
+                        <a:lumMod val="65000"/>
+                        <a:lumOff val="35000"/>
+                      </a:schemeClr>
+                    </a:solidFill>
+                  </a:rPr>
+                  <a:t>예시</a:t>
+                </a:r>
                 <a:r>
                   <a:rPr lang="en-US" altLang="ko-KR" sz="1100" dirty="0">
                     <a:solidFill>
@@ -13544,52 +13386,476 @@
               </a:p>
             </p:txBody>
           </p:sp>
-        </mc:Choice>
-        <mc:Fallback xmlns="">
+        </p:grpSp>
+        <p:grpSp>
+          <p:nvGrpSpPr>
+            <p:cNvPr id="15" name="그룹 14">
+              <a:extLst>
+                <a:ext uri="{FF2B5EF4-FFF2-40B4-BE49-F238E27FC236}">
+                  <a16:creationId xmlns:a16="http://schemas.microsoft.com/office/drawing/2014/main" id="{9A11EFF7-CD43-7D30-732F-F9542A1A5D8C}"/>
+                </a:ext>
+              </a:extLst>
+            </p:cNvPr>
+            <p:cNvGrpSpPr/>
+            <p:nvPr/>
+          </p:nvGrpSpPr>
+          <p:grpSpPr>
+            <a:xfrm>
+              <a:off x="1216717" y="4634098"/>
+              <a:ext cx="8125144" cy="982513"/>
+              <a:chOff x="386292" y="4548905"/>
+              <a:chExt cx="8125144" cy="982513"/>
+            </a:xfrm>
+          </p:grpSpPr>
           <p:sp>
             <p:nvSpPr>
-              <p:cNvPr id="4" name="TextBox 3">
+              <p:cNvPr id="6" name="TextBox 5">
                 <a:extLst>
                   <a:ext uri="{FF2B5EF4-FFF2-40B4-BE49-F238E27FC236}">
-                    <a16:creationId xmlns:a16="http://schemas.microsoft.com/office/drawing/2014/main" id="{DDC00E0E-D246-A59E-2945-93753F20C31A}"/>
+                    <a16:creationId xmlns:a16="http://schemas.microsoft.com/office/drawing/2014/main" id="{04207B47-2420-D596-9FA9-5B46055C90FE}"/>
                   </a:ext>
                 </a:extLst>
               </p:cNvPr>
-              <p:cNvSpPr txBox="1">
-                <a:spLocks noRot="1" noChangeAspect="1" noMove="1" noResize="1" noEditPoints="1" noAdjustHandles="1" noChangeArrowheads="1" noChangeShapeType="1" noTextEdit="1"/>
-              </p:cNvSpPr>
+              <p:cNvSpPr txBox="1"/>
               <p:nvPr/>
             </p:nvSpPr>
             <p:spPr>
               <a:xfrm>
-                <a:off x="3614870" y="4602766"/>
-                <a:ext cx="7845040" cy="613181"/>
+                <a:off x="386292" y="4548905"/>
+                <a:ext cx="2731376" cy="369332"/>
               </a:xfrm>
               <a:prstGeom prst="rect">
                 <a:avLst/>
               </a:prstGeom>
-              <a:blipFill>
-                <a:blip r:embed="rId3"/>
-                <a:stretch>
-                  <a:fillRect b="-2970"/>
-                </a:stretch>
-              </a:blipFill>
+              <a:noFill/>
             </p:spPr>
             <p:txBody>
-              <a:bodyPr/>
+              <a:bodyPr wrap="square" rtlCol="0">
+                <a:spAutoFit/>
+              </a:bodyPr>
               <a:lstStyle/>
               <a:p>
                 <a:r>
-                  <a:rPr lang="ko-KR" altLang="en-US">
-                    <a:noFill/>
-                  </a:rPr>
-                  <a:t> </a:t>
+                  <a:rPr lang="en-US" altLang="ko-KR" dirty="0"/>
+                  <a:t>3. </a:t>
                 </a:r>
+                <a:r>
+                  <a:rPr lang="ko-KR" altLang="en-US" dirty="0"/>
+                  <a:t>해석 결과</a:t>
+                </a:r>
+                <a:endParaRPr lang="en-US" dirty="0">
+                  <a:latin typeface="Times New Roman" panose="02020603050405020304" pitchFamily="18" charset="0"/>
+                  <a:cs typeface="Times New Roman" panose="02020603050405020304" pitchFamily="18" charset="0"/>
+                </a:endParaRPr>
               </a:p>
             </p:txBody>
           </p:sp>
-        </mc:Fallback>
-      </mc:AlternateContent>
+          <mc:AlternateContent xmlns:mc="http://schemas.openxmlformats.org/markup-compatibility/2006">
+            <mc:Choice xmlns:a14="http://schemas.microsoft.com/office/drawing/2010/main" Requires="a14">
+              <p:sp>
+                <p:nvSpPr>
+                  <p:cNvPr id="4" name="TextBox 3">
+                    <a:extLst>
+                      <a:ext uri="{FF2B5EF4-FFF2-40B4-BE49-F238E27FC236}">
+                        <a16:creationId xmlns:a16="http://schemas.microsoft.com/office/drawing/2014/main" id="{DDC00E0E-D246-A59E-2945-93753F20C31A}"/>
+                      </a:ext>
+                    </a:extLst>
+                  </p:cNvPr>
+                  <p:cNvSpPr txBox="1"/>
+                  <p:nvPr/>
+                </p:nvSpPr>
+                <p:spPr>
+                  <a:xfrm>
+                    <a:off x="666396" y="4918237"/>
+                    <a:ext cx="7845040" cy="613181"/>
+                  </a:xfrm>
+                  <a:prstGeom prst="rect">
+                    <a:avLst/>
+                  </a:prstGeom>
+                  <a:noFill/>
+                </p:spPr>
+                <p:txBody>
+                  <a:bodyPr wrap="square" rtlCol="0">
+                    <a:spAutoFit/>
+                  </a:bodyPr>
+                  <a:lstStyle/>
+                  <a:p>
+                    <a:r>
+                      <a:rPr lang="en-US" altLang="ko-KR" sz="1100" dirty="0">
+                        <a:solidFill>
+                          <a:schemeClr val="tx1">
+                            <a:lumMod val="65000"/>
+                            <a:lumOff val="35000"/>
+                          </a:schemeClr>
+                        </a:solidFill>
+                      </a:rPr>
+                      <a:t>1. </a:t>
+                    </a:r>
+                    <a:r>
+                      <a:rPr lang="ko-KR" altLang="en-US" sz="1100" dirty="0">
+                        <a:solidFill>
+                          <a:schemeClr val="tx1">
+                            <a:lumMod val="65000"/>
+                            <a:lumOff val="35000"/>
+                          </a:schemeClr>
+                        </a:solidFill>
+                      </a:rPr>
+                      <a:t>해석 결과</a:t>
+                    </a:r>
+                    <a:r>
+                      <a:rPr lang="en-US" altLang="ko-KR" sz="1100" dirty="0">
+                        <a:solidFill>
+                          <a:schemeClr val="tx1">
+                            <a:lumMod val="65000"/>
+                            <a:lumOff val="35000"/>
+                          </a:schemeClr>
+                        </a:solidFill>
+                      </a:rPr>
+                      <a:t>(Pressure)</a:t>
+                    </a:r>
+                  </a:p>
+                  <a:p>
+                    <a:r>
+                      <a:rPr lang="en-US" altLang="ko-KR" sz="1100" dirty="0">
+                        <a:solidFill>
+                          <a:schemeClr val="tx1">
+                            <a:lumMod val="65000"/>
+                            <a:lumOff val="35000"/>
+                          </a:schemeClr>
+                        </a:solidFill>
+                      </a:rPr>
+                      <a:t>2. </a:t>
+                    </a:r>
+                    <a:r>
+                      <a:rPr lang="ko-KR" altLang="en-US" sz="1100" dirty="0">
+                        <a:solidFill>
+                          <a:schemeClr val="tx1">
+                            <a:lumMod val="65000"/>
+                            <a:lumOff val="35000"/>
+                          </a:schemeClr>
+                        </a:solidFill>
+                      </a:rPr>
+                      <a:t>해석 결과</a:t>
+                    </a:r>
+                    <a:r>
+                      <a:rPr lang="en-US" altLang="ko-KR" sz="1100" dirty="0">
+                        <a:solidFill>
+                          <a:schemeClr val="tx1">
+                            <a:lumMod val="65000"/>
+                            <a:lumOff val="35000"/>
+                          </a:schemeClr>
+                        </a:solidFill>
+                      </a:rPr>
+                      <a:t>(Mach)</a:t>
+                    </a:r>
+                  </a:p>
+                  <a:p>
+                    <a:r>
+                      <a:rPr lang="en-US" altLang="ko-KR" sz="1100" dirty="0">
+                        <a:solidFill>
+                          <a:schemeClr val="tx1">
+                            <a:lumMod val="65000"/>
+                            <a:lumOff val="35000"/>
+                          </a:schemeClr>
+                        </a:solidFill>
+                      </a:rPr>
+                      <a:t>3. </a:t>
+                    </a:r>
+                    <a:r>
+                      <a:rPr lang="ko-KR" altLang="en-US" sz="1100" dirty="0">
+                        <a:solidFill>
+                          <a:schemeClr val="tx1">
+                            <a:lumMod val="65000"/>
+                            <a:lumOff val="35000"/>
+                          </a:schemeClr>
+                        </a:solidFill>
+                      </a:rPr>
+                      <a:t>해석 결과</a:t>
+                    </a:r>
+                    <a:r>
+                      <a:rPr lang="en-US" altLang="ko-KR" sz="1100" dirty="0">
+                        <a:solidFill>
+                          <a:schemeClr val="tx1">
+                            <a:lumMod val="65000"/>
+                            <a:lumOff val="35000"/>
+                          </a:schemeClr>
+                        </a:solidFill>
+                      </a:rPr>
+                      <a:t>(</a:t>
+                    </a:r>
+                    <a14:m>
+                      <m:oMath xmlns:m="http://schemas.openxmlformats.org/officeDocument/2006/math">
+                        <m:sSub>
+                          <m:sSubPr>
+                            <m:ctrlPr>
+                              <a:rPr lang="ko-KR" altLang="ko-KR" sz="1100" i="1">
+                                <a:latin typeface="Cambria Math" panose="02040503050406030204" pitchFamily="18" charset="0"/>
+                              </a:rPr>
+                            </m:ctrlPr>
+                          </m:sSubPr>
+                          <m:e>
+                            <m:r>
+                              <a:rPr lang="en-US" altLang="ko-KR" sz="1100" i="1">
+                                <a:latin typeface="Cambria Math" panose="02040503050406030204" pitchFamily="18" charset="0"/>
+                              </a:rPr>
+                              <m:t>𝐶</m:t>
+                            </m:r>
+                          </m:e>
+                          <m:sub>
+                            <m:r>
+                              <a:rPr lang="en-US" altLang="ko-KR" sz="1100" i="1">
+                                <a:latin typeface="Cambria Math" panose="02040503050406030204" pitchFamily="18" charset="0"/>
+                              </a:rPr>
+                              <m:t>𝑝</m:t>
+                            </m:r>
+                          </m:sub>
+                        </m:sSub>
+                      </m:oMath>
+                    </a14:m>
+                    <a:r>
+                      <a:rPr lang="en-US" altLang="ko-KR" sz="1100" dirty="0">
+                        <a:solidFill>
+                          <a:schemeClr val="tx1">
+                            <a:lumMod val="65000"/>
+                            <a:lumOff val="35000"/>
+                          </a:schemeClr>
+                        </a:solidFill>
+                      </a:rPr>
+                      <a:t>)</a:t>
+                    </a:r>
+                  </a:p>
+                </p:txBody>
+              </p:sp>
+            </mc:Choice>
+            <mc:Fallback>
+              <p:sp>
+                <p:nvSpPr>
+                  <p:cNvPr id="4" name="TextBox 3">
+                    <a:extLst>
+                      <a:ext uri="{FF2B5EF4-FFF2-40B4-BE49-F238E27FC236}">
+                        <a16:creationId xmlns:a16="http://schemas.microsoft.com/office/drawing/2014/main" id="{DDC00E0E-D246-A59E-2945-93753F20C31A}"/>
+                      </a:ext>
+                    </a:extLst>
+                  </p:cNvPr>
+                  <p:cNvSpPr txBox="1">
+                    <a:spLocks noRot="1" noChangeAspect="1" noMove="1" noResize="1" noEditPoints="1" noAdjustHandles="1" noChangeArrowheads="1" noChangeShapeType="1" noTextEdit="1"/>
+                  </p:cNvSpPr>
+                  <p:nvPr/>
+                </p:nvSpPr>
+                <p:spPr>
+                  <a:xfrm>
+                    <a:off x="666396" y="4918237"/>
+                    <a:ext cx="7845040" cy="613181"/>
+                  </a:xfrm>
+                  <a:prstGeom prst="rect">
+                    <a:avLst/>
+                  </a:prstGeom>
+                  <a:blipFill>
+                    <a:blip r:embed="rId3"/>
+                    <a:stretch>
+                      <a:fillRect b="-4000"/>
+                    </a:stretch>
+                  </a:blipFill>
+                </p:spPr>
+                <p:txBody>
+                  <a:bodyPr/>
+                  <a:lstStyle/>
+                  <a:p>
+                    <a:r>
+                      <a:rPr lang="ko-KR" altLang="en-US">
+                        <a:noFill/>
+                      </a:rPr>
+                      <a:t> </a:t>
+                    </a:r>
+                  </a:p>
+                </p:txBody>
+              </p:sp>
+            </mc:Fallback>
+          </mc:AlternateContent>
+        </p:grpSp>
+      </p:grpSp>
+      <p:grpSp>
+        <p:nvGrpSpPr>
+          <p:cNvPr id="19" name="그룹 18">
+            <a:extLst>
+              <a:ext uri="{FF2B5EF4-FFF2-40B4-BE49-F238E27FC236}">
+                <a16:creationId xmlns:a16="http://schemas.microsoft.com/office/drawing/2014/main" id="{7D54E43A-6B94-5E01-ECBE-F4E3D957C0C6}"/>
+              </a:ext>
+            </a:extLst>
+          </p:cNvPr>
+          <p:cNvGrpSpPr/>
+          <p:nvPr/>
+        </p:nvGrpSpPr>
+        <p:grpSpPr>
+          <a:xfrm>
+            <a:off x="6239582" y="1759876"/>
+            <a:ext cx="3050887" cy="1979589"/>
+            <a:chOff x="5755308" y="1659762"/>
+            <a:chExt cx="3050887" cy="1979589"/>
+          </a:xfrm>
+        </p:grpSpPr>
+        <p:pic>
+          <p:nvPicPr>
+            <p:cNvPr id="9" name="그림 8">
+              <a:extLst>
+                <a:ext uri="{FF2B5EF4-FFF2-40B4-BE49-F238E27FC236}">
+                  <a16:creationId xmlns:a16="http://schemas.microsoft.com/office/drawing/2014/main" id="{B54C7E07-4718-07FE-521C-60844FDF2557}"/>
+                </a:ext>
+              </a:extLst>
+            </p:cNvPr>
+            <p:cNvPicPr>
+              <a:picLocks noChangeAspect="1"/>
+            </p:cNvPicPr>
+            <p:nvPr/>
+          </p:nvPicPr>
+          <p:blipFill>
+            <a:blip r:embed="rId4"/>
+            <a:stretch>
+              <a:fillRect/>
+            </a:stretch>
+          </p:blipFill>
+          <p:spPr>
+            <a:xfrm>
+              <a:off x="5755308" y="1659762"/>
+              <a:ext cx="2949737" cy="1837066"/>
+            </a:xfrm>
+            <a:prstGeom prst="rect">
+              <a:avLst/>
+            </a:prstGeom>
+          </p:spPr>
+        </p:pic>
+        <p:sp>
+          <p:nvSpPr>
+            <p:cNvPr id="17" name="TextBox 16">
+              <a:extLst>
+                <a:ext uri="{FF2B5EF4-FFF2-40B4-BE49-F238E27FC236}">
+                  <a16:creationId xmlns:a16="http://schemas.microsoft.com/office/drawing/2014/main" id="{23098504-CDBF-07C1-5858-6CA0B4EC8185}"/>
+                </a:ext>
+              </a:extLst>
+            </p:cNvPr>
+            <p:cNvSpPr txBox="1"/>
+            <p:nvPr/>
+          </p:nvSpPr>
+          <p:spPr>
+            <a:xfrm>
+              <a:off x="7734553" y="3408519"/>
+              <a:ext cx="1071642" cy="230832"/>
+            </a:xfrm>
+            <a:prstGeom prst="rect">
+              <a:avLst/>
+            </a:prstGeom>
+            <a:noFill/>
+          </p:spPr>
+          <p:txBody>
+            <a:bodyPr wrap="square" rtlCol="0">
+              <a:spAutoFit/>
+            </a:bodyPr>
+            <a:lstStyle/>
+            <a:p>
+              <a:r>
+                <a:rPr lang="en-US" altLang="ko-KR" sz="900" dirty="0"/>
+                <a:t>Fig. 1 SU2 logo</a:t>
+              </a:r>
+              <a:endParaRPr lang="ko-KR" altLang="en-US" sz="900" dirty="0"/>
+            </a:p>
+          </p:txBody>
+        </p:sp>
+      </p:grpSp>
+      <p:grpSp>
+        <p:nvGrpSpPr>
+          <p:cNvPr id="20" name="그룹 19">
+            <a:extLst>
+              <a:ext uri="{FF2B5EF4-FFF2-40B4-BE49-F238E27FC236}">
+                <a16:creationId xmlns:a16="http://schemas.microsoft.com/office/drawing/2014/main" id="{21D607B2-13CE-9E31-1575-E246EF39BB3C}"/>
+              </a:ext>
+            </a:extLst>
+          </p:cNvPr>
+          <p:cNvGrpSpPr/>
+          <p:nvPr/>
+        </p:nvGrpSpPr>
+        <p:grpSpPr>
+          <a:xfrm>
+            <a:off x="6096000" y="4122685"/>
+            <a:ext cx="3486999" cy="1000273"/>
+            <a:chOff x="5601272" y="3735098"/>
+            <a:chExt cx="3486999" cy="1000273"/>
+          </a:xfrm>
+        </p:grpSpPr>
+        <p:pic>
+          <p:nvPicPr>
+            <p:cNvPr id="11" name="그림 10">
+              <a:extLst>
+                <a:ext uri="{FF2B5EF4-FFF2-40B4-BE49-F238E27FC236}">
+                  <a16:creationId xmlns:a16="http://schemas.microsoft.com/office/drawing/2014/main" id="{393D6AE0-A3E2-B023-E8A4-F3CD201326F3}"/>
+                </a:ext>
+              </a:extLst>
+            </p:cNvPr>
+            <p:cNvPicPr>
+              <a:picLocks noChangeAspect="1"/>
+            </p:cNvPicPr>
+            <p:nvPr/>
+          </p:nvPicPr>
+          <p:blipFill>
+            <a:blip r:embed="rId5"/>
+            <a:stretch>
+              <a:fillRect/>
+            </a:stretch>
+          </p:blipFill>
+          <p:spPr>
+            <a:xfrm>
+              <a:off x="5601272" y="3735098"/>
+              <a:ext cx="3486999" cy="929866"/>
+            </a:xfrm>
+            <a:prstGeom prst="rect">
+              <a:avLst/>
+            </a:prstGeom>
+          </p:spPr>
+        </p:pic>
+        <p:sp>
+          <p:nvSpPr>
+            <p:cNvPr id="18" name="TextBox 17">
+              <a:extLst>
+                <a:ext uri="{FF2B5EF4-FFF2-40B4-BE49-F238E27FC236}">
+                  <a16:creationId xmlns:a16="http://schemas.microsoft.com/office/drawing/2014/main" id="{CC14ACAE-D6A5-7B43-57A7-D90417C13A5E}"/>
+                </a:ext>
+              </a:extLst>
+            </p:cNvPr>
+            <p:cNvSpPr txBox="1"/>
+            <p:nvPr/>
+          </p:nvSpPr>
+          <p:spPr>
+            <a:xfrm>
+              <a:off x="7632440" y="4504539"/>
+              <a:ext cx="1275869" cy="230832"/>
+            </a:xfrm>
+            <a:prstGeom prst="rect">
+              <a:avLst/>
+            </a:prstGeom>
+            <a:noFill/>
+          </p:spPr>
+          <p:txBody>
+            <a:bodyPr wrap="square" rtlCol="0">
+              <a:spAutoFit/>
+            </a:bodyPr>
+            <a:lstStyle/>
+            <a:p>
+              <a:r>
+                <a:rPr lang="en-US" altLang="ko-KR" sz="900" dirty="0"/>
+                <a:t>Fig. 2 </a:t>
+              </a:r>
+              <a:r>
+                <a:rPr lang="en-US" altLang="ko-KR" sz="900" dirty="0" err="1"/>
+                <a:t>Paraview</a:t>
+              </a:r>
+              <a:r>
+                <a:rPr lang="en-US" altLang="ko-KR" sz="900" dirty="0"/>
+                <a:t> logo</a:t>
+              </a:r>
+              <a:endParaRPr lang="ko-KR" altLang="en-US" sz="900" dirty="0"/>
+            </a:p>
+          </p:txBody>
+        </p:sp>
+      </p:grpSp>
     </p:spTree>
     <p:extLst>
       <p:ext uri="{BB962C8B-B14F-4D97-AF65-F5344CB8AC3E}">
@@ -13604,7 +13870,7 @@
     <mc:Choice Requires="p14">
       <p:transition/>
     </mc:Choice>
-    <mc:Fallback xmlns:dsp="http://schemas.microsoft.com/office/drawing/2008/diagram" xmlns:dgm="http://schemas.openxmlformats.org/drawingml/2006/diagram" xmlns:c="http://schemas.openxmlformats.org/drawingml/2006/chart" xmlns="">
+    <mc:Fallback xmlns="" xmlns:c="http://schemas.openxmlformats.org/drawingml/2006/chart" xmlns:dgm="http://schemas.openxmlformats.org/drawingml/2006/diagram" xmlns:dsp="http://schemas.microsoft.com/office/drawing/2008/diagram">
       <p:transition/>
     </mc:Fallback>
   </mc:AlternateContent>
@@ -13743,6 +14009,10 @@
           </a:bodyPr>
           <a:lstStyle/>
           <a:p>
+            <a:pPr marL="171450" indent="-171450">
+              <a:buFont typeface="Wingdings" panose="05000000000000000000" pitchFamily="2" charset="2"/>
+              <a:buChar char="Ø"/>
+            </a:pPr>
             <a:r>
               <a:rPr lang="en-US" altLang="ko-KR" sz="1100" dirty="0">
                 <a:solidFill>
@@ -13822,6 +14092,7 @@
             </a:r>
           </a:p>
           <a:p>
+            <a:pPr marL="177800"/>
             <a:r>
               <a:rPr lang="en-US" altLang="ko-KR" sz="1100" dirty="0">
                 <a:solidFill>
@@ -14797,7 +15068,7 @@
               <a:p>
                 <a:r>
                   <a:rPr lang="en-US" altLang="ko-KR" sz="900" dirty="0"/>
-                  <a:t>Fig. 1 SU2 download  page</a:t>
+                  <a:t>Fig. 3 SU2 download  page</a:t>
                 </a:r>
                 <a:endParaRPr lang="ko-KR" altLang="en-US" sz="900" dirty="0"/>
               </a:p>
@@ -14937,7 +15208,7 @@
             <a:p>
               <a:r>
                 <a:rPr lang="en-US" altLang="ko-KR" sz="900" dirty="0"/>
-                <a:t>Fig. 2 SU2 </a:t>
+                <a:t>Fig. 4 SU2 </a:t>
               </a:r>
               <a:r>
                 <a:rPr lang="ko-KR" altLang="en-US" sz="900" dirty="0"/>
@@ -15027,6 +15298,10 @@
           </a:bodyPr>
           <a:lstStyle/>
           <a:p>
+            <a:pPr marL="171450" indent="-171450">
+              <a:buFont typeface="Wingdings" panose="05000000000000000000" pitchFamily="2" charset="2"/>
+              <a:buChar char="Ø"/>
+            </a:pPr>
             <a:r>
               <a:rPr lang="en-US" altLang="ko-KR" sz="1100" dirty="0">
                 <a:solidFill>
@@ -15113,7 +15388,51 @@
                   </a:schemeClr>
                 </a:solidFill>
               </a:rPr>
-              <a:t>폴더가 나오는데 그 내부 파일은 다음과 같습니다</a:t>
+              <a:t>폴더가 나오며</a:t>
+            </a:r>
+            <a:r>
+              <a:rPr lang="en-US" altLang="ko-KR" sz="1100" dirty="0">
+                <a:solidFill>
+                  <a:schemeClr val="tx1">
+                    <a:lumMod val="65000"/>
+                    <a:lumOff val="35000"/>
+                  </a:schemeClr>
+                </a:solidFill>
+              </a:rPr>
+              <a:t>,</a:t>
+            </a:r>
+            <a:r>
+              <a:rPr lang="ko-KR" altLang="en-US" sz="1100" dirty="0">
+                <a:solidFill>
+                  <a:schemeClr val="tx1">
+                    <a:lumMod val="65000"/>
+                    <a:lumOff val="35000"/>
+                  </a:schemeClr>
+                </a:solidFill>
+              </a:rPr>
+              <a:t> </a:t>
+            </a:r>
+            <a:endParaRPr lang="en-US" altLang="ko-KR" sz="1100" dirty="0">
+              <a:solidFill>
+                <a:schemeClr val="tx1">
+                  <a:lumMod val="65000"/>
+                  <a:lumOff val="35000"/>
+                </a:schemeClr>
+              </a:solidFill>
+            </a:endParaRPr>
+          </a:p>
+          <a:p>
+            <a:pPr marL="177800"/>
+            <a:r>
+              <a:rPr lang="ko-KR" altLang="en-US" sz="1100" dirty="0">
+                <a:solidFill>
+                  <a:schemeClr val="tx1">
+                    <a:lumMod val="65000"/>
+                    <a:lumOff val="35000"/>
+                  </a:schemeClr>
+                </a:solidFill>
+              </a:rPr>
+              <a:t>내부 파일은 다음과 같습니다</a:t>
             </a:r>
             <a:r>
               <a:rPr lang="en-US" altLang="ko-KR" sz="1100" dirty="0">
@@ -15294,7 +15613,7 @@
     <mc:Choice Requires="p14">
       <p:transition/>
     </mc:Choice>
-    <mc:Fallback xmlns:dsp="http://schemas.microsoft.com/office/drawing/2008/diagram" xmlns:dgm="http://schemas.openxmlformats.org/drawingml/2006/diagram" xmlns:c="http://schemas.openxmlformats.org/drawingml/2006/chart" xmlns="">
+    <mc:Fallback xmlns="" xmlns:c="http://schemas.openxmlformats.org/drawingml/2006/chart" xmlns:dgm="http://schemas.openxmlformats.org/drawingml/2006/diagram" xmlns:dsp="http://schemas.microsoft.com/office/drawing/2008/diagram">
       <p:transition/>
     </mc:Fallback>
   </mc:AlternateContent>
@@ -15375,7 +15694,7 @@
         </p:nvGrpSpPr>
         <p:grpSpPr>
           <a:xfrm>
-            <a:off x="750734" y="2919281"/>
+            <a:off x="1436259" y="2919281"/>
             <a:ext cx="3606662" cy="3532317"/>
             <a:chOff x="937345" y="1678831"/>
             <a:chExt cx="3672593" cy="3596890"/>
@@ -15446,7 +15765,7 @@
             <a:p>
               <a:r>
                 <a:rPr lang="en-US" altLang="ko-KR" sz="900" dirty="0"/>
-                <a:t>Fig. 3 </a:t>
+                <a:t>Fig. 5 </a:t>
               </a:r>
               <a:r>
                 <a:rPr lang="ko-KR" altLang="en-US" sz="900" dirty="0"/>
@@ -15568,7 +15887,7 @@
         <p:spPr>
           <a:xfrm>
             <a:off x="256585" y="1272193"/>
-            <a:ext cx="4889241" cy="2631490"/>
+            <a:ext cx="5407097" cy="2631490"/>
           </a:xfrm>
           <a:prstGeom prst="rect">
             <a:avLst/>
@@ -15581,6 +15900,10 @@
           </a:bodyPr>
           <a:lstStyle/>
           <a:p>
+            <a:pPr marL="171450" indent="-171450">
+              <a:buFont typeface="Wingdings" panose="05000000000000000000" pitchFamily="2" charset="2"/>
+              <a:buChar char="Ø"/>
+            </a:pPr>
             <a:r>
               <a:rPr lang="en-US" altLang="ko-KR" sz="1100" dirty="0">
                 <a:solidFill>
@@ -15626,6 +15949,7 @@
             </a:endParaRPr>
           </a:p>
           <a:p>
+            <a:pPr marL="177800"/>
             <a:r>
               <a:rPr lang="en-US" altLang="ko-KR" sz="1100" dirty="0">
                 <a:solidFill>
@@ -15705,6 +16029,7 @@
             </a:r>
           </a:p>
           <a:p>
+            <a:pPr marL="177800"/>
             <a:r>
               <a:rPr lang="ko-KR" altLang="en-US" sz="1100" dirty="0">
                 <a:solidFill>
@@ -15751,6 +16076,7 @@
             </a:r>
           </a:p>
           <a:p>
+            <a:pPr marL="177800"/>
             <a:endParaRPr lang="en-US" altLang="ko-KR" sz="1100" dirty="0">
               <a:solidFill>
                 <a:schemeClr val="tx1">
@@ -15761,6 +16087,7 @@
             </a:endParaRPr>
           </a:p>
           <a:p>
+            <a:pPr marL="177800"/>
             <a:r>
               <a:rPr lang="ko-KR" altLang="en-US" sz="1100" dirty="0">
                 <a:solidFill>
@@ -15795,6 +16122,10 @@
             </a:endParaRPr>
           </a:p>
           <a:p>
+            <a:pPr marL="171450" indent="-171450">
+              <a:buFont typeface="Wingdings" panose="05000000000000000000" pitchFamily="2" charset="2"/>
+              <a:buChar char="Ø"/>
+            </a:pPr>
             <a:r>
               <a:rPr lang="en-US" altLang="ko-KR" sz="1100" dirty="0">
                 <a:solidFill>
@@ -15937,7 +16268,7 @@
         </p:nvGrpSpPr>
         <p:grpSpPr>
           <a:xfrm>
-            <a:off x="7734222" y="3146077"/>
+            <a:off x="7187959" y="3095177"/>
             <a:ext cx="3567782" cy="3496380"/>
             <a:chOff x="937345" y="1679189"/>
             <a:chExt cx="3672593" cy="3599093"/>
@@ -16008,7 +16339,7 @@
             <a:p>
               <a:r>
                 <a:rPr lang="en-US" altLang="ko-KR" sz="900" dirty="0"/>
-                <a:t>Fig. 4 </a:t>
+                <a:t>Fig. 6 </a:t>
               </a:r>
               <a:r>
                 <a:rPr lang="ko-KR" altLang="en-US" sz="900" dirty="0"/>
@@ -16037,8 +16368,8 @@
         </p:nvSpPr>
         <p:spPr>
           <a:xfrm>
-            <a:off x="5958052" y="1129434"/>
-            <a:ext cx="6354147" cy="2631490"/>
+            <a:off x="5495731" y="1143383"/>
+            <a:ext cx="6439684" cy="2631490"/>
           </a:xfrm>
           <a:prstGeom prst="rect">
             <a:avLst/>
@@ -16051,6 +16382,10 @@
           </a:bodyPr>
           <a:lstStyle/>
           <a:p>
+            <a:pPr marL="171450" indent="-171450">
+              <a:buFont typeface="Wingdings" panose="05000000000000000000" pitchFamily="2" charset="2"/>
+              <a:buChar char="Ø"/>
+            </a:pPr>
             <a:r>
               <a:rPr lang="ko-KR" altLang="en-US" sz="1100" dirty="0">
                 <a:solidFill>
@@ -16107,6 +16442,7 @@
             </a:endParaRPr>
           </a:p>
           <a:p>
+            <a:pPr marL="177800"/>
             <a:r>
               <a:rPr lang="ko-KR" altLang="en-US" sz="1100" dirty="0">
                 <a:solidFill>
@@ -16131,6 +16467,7 @@
             </a:r>
           </a:p>
           <a:p>
+            <a:pPr marL="177800"/>
             <a:r>
               <a:rPr lang="ko-KR" altLang="en-US" sz="1100" dirty="0">
                 <a:solidFill>
@@ -16199,6 +16536,7 @@
             </a:r>
           </a:p>
           <a:p>
+            <a:pPr marL="177800"/>
             <a:endParaRPr lang="en-US" altLang="ko-KR" sz="1100" dirty="0">
               <a:solidFill>
                 <a:schemeClr val="tx1">
@@ -16209,6 +16547,7 @@
             </a:endParaRPr>
           </a:p>
           <a:p>
+            <a:pPr marL="177800"/>
             <a:r>
               <a:rPr lang="ko-KR" altLang="en-US" sz="1100" dirty="0">
                 <a:solidFill>
@@ -16429,7 +16768,7 @@
     <mc:Choice Requires="p14">
       <p:transition/>
     </mc:Choice>
-    <mc:Fallback xmlns:dsp="http://schemas.microsoft.com/office/drawing/2008/diagram" xmlns:dgm="http://schemas.openxmlformats.org/drawingml/2006/diagram" xmlns:c="http://schemas.openxmlformats.org/drawingml/2006/chart" xmlns="">
+    <mc:Fallback xmlns="" xmlns:c="http://schemas.openxmlformats.org/drawingml/2006/chart" xmlns:dgm="http://schemas.openxmlformats.org/drawingml/2006/diagram" xmlns:dsp="http://schemas.microsoft.com/office/drawing/2008/diagram">
       <p:transition/>
     </mc:Fallback>
   </mc:AlternateContent>
@@ -16581,7 +16920,7 @@
             <a:p>
               <a:r>
                 <a:rPr lang="en-US" altLang="ko-KR" sz="900" dirty="0"/>
-                <a:t>Fig. 5 SU2 </a:t>
+                <a:t>Fig. 7 SU2 </a:t>
               </a:r>
               <a:r>
                 <a:rPr lang="ko-KR" altLang="en-US" sz="900" dirty="0"/>
@@ -16659,28 +16998,10 @@
           </a:bodyPr>
           <a:lstStyle/>
           <a:p>
-            <a:r>
-              <a:rPr lang="ko-KR" altLang="en-US" sz="1100" dirty="0">
-                <a:solidFill>
-                  <a:schemeClr val="tx1">
-                    <a:lumMod val="65000"/>
-                    <a:lumOff val="35000"/>
-                  </a:schemeClr>
-                </a:solidFill>
-              </a:rPr>
-              <a:t>이후</a:t>
-            </a:r>
-            <a:r>
-              <a:rPr lang="en-US" altLang="ko-KR" sz="1100" dirty="0">
-                <a:solidFill>
-                  <a:schemeClr val="tx1">
-                    <a:lumMod val="65000"/>
-                    <a:lumOff val="35000"/>
-                  </a:schemeClr>
-                </a:solidFill>
-              </a:rPr>
-              <a:t>, </a:t>
-            </a:r>
+            <a:pPr marL="171450" indent="-171450">
+              <a:buFont typeface="Wingdings" panose="05000000000000000000" pitchFamily="2" charset="2"/>
+              <a:buChar char="Ø"/>
+            </a:pPr>
             <a:r>
               <a:rPr lang="ko-KR" altLang="en-US" sz="1100" dirty="0">
                 <a:solidFill>
@@ -16781,6 +17102,10 @@
             </a:endParaRPr>
           </a:p>
           <a:p>
+            <a:pPr marL="171450" indent="-171450">
+              <a:buFont typeface="Arial" panose="020B0604020202020204" pitchFamily="34" charset="0"/>
+              <a:buChar char="•"/>
+            </a:pPr>
             <a:r>
               <a:rPr lang="ko-KR" altLang="en-US" sz="1100" dirty="0">
                 <a:solidFill>
@@ -16827,7 +17152,7 @@
             </a:r>
           </a:p>
           <a:p>
-            <a:pPr marL="228600" indent="-228600">
+            <a:pPr marL="354013" indent="-176213">
               <a:buAutoNum type="arabicPeriod"/>
             </a:pPr>
             <a:r>
@@ -16862,7 +17187,7 @@
             </a:endParaRPr>
           </a:p>
           <a:p>
-            <a:pPr marL="228600" indent="-228600">
+            <a:pPr marL="354013" indent="-176213">
               <a:buAutoNum type="arabicPeriod"/>
             </a:pPr>
             <a:r>
@@ -16878,7 +17203,7 @@
             </a:r>
           </a:p>
           <a:p>
-            <a:pPr marL="228600" indent="-228600">
+            <a:pPr marL="354013" indent="-176213">
               <a:buAutoNum type="arabicPeriod"/>
             </a:pPr>
             <a:r>
@@ -16965,6 +17290,10 @@
             </a:endParaRPr>
           </a:p>
           <a:p>
+            <a:pPr marL="171450" indent="-171450">
+              <a:buFont typeface="Wingdings" panose="05000000000000000000" pitchFamily="2" charset="2"/>
+              <a:buChar char="Ø"/>
+            </a:pPr>
             <a:r>
               <a:rPr lang="ko-KR" altLang="en-US" sz="1100" dirty="0">
                 <a:solidFill>
@@ -17489,6 +17818,10 @@
             </a:endParaRPr>
           </a:p>
           <a:p>
+            <a:pPr marL="171450" indent="-171450">
+              <a:buFont typeface="Wingdings" panose="05000000000000000000" pitchFamily="2" charset="2"/>
+              <a:buChar char="Ø"/>
+            </a:pPr>
             <a:r>
               <a:rPr lang="ko-KR" altLang="en-US" sz="1100" dirty="0">
                 <a:solidFill>
@@ -17636,7 +17969,7 @@
     <mc:Choice Requires="p14">
       <p:transition/>
     </mc:Choice>
-    <mc:Fallback xmlns:dsp="http://schemas.microsoft.com/office/drawing/2008/diagram" xmlns:dgm="http://schemas.openxmlformats.org/drawingml/2006/diagram" xmlns:c="http://schemas.openxmlformats.org/drawingml/2006/chart" xmlns="">
+    <mc:Fallback xmlns="" xmlns:c="http://schemas.openxmlformats.org/drawingml/2006/chart" xmlns:dgm="http://schemas.openxmlformats.org/drawingml/2006/diagram" xmlns:dsp="http://schemas.microsoft.com/office/drawing/2008/diagram">
       <p:transition/>
     </mc:Fallback>
   </mc:AlternateContent>
@@ -17788,7 +18121,7 @@
             <a:p>
               <a:r>
                 <a:rPr lang="en-US" altLang="ko-KR" sz="900" dirty="0"/>
-                <a:t>Fig. 6 SU2 </a:t>
+                <a:t>Fig. 8 SU2 </a:t>
               </a:r>
               <a:r>
                 <a:rPr lang="ko-KR" altLang="en-US" sz="900" dirty="0"/>
@@ -17870,6 +18203,10 @@
           </a:bodyPr>
           <a:lstStyle/>
           <a:p>
+            <a:pPr marL="171450" indent="-171450">
+              <a:buFont typeface="Wingdings" panose="05000000000000000000" pitchFamily="2" charset="2"/>
+              <a:buChar char="Ø"/>
+            </a:pPr>
             <a:r>
               <a:rPr lang="ko-KR" altLang="en-US" sz="1100" dirty="0">
                 <a:solidFill>
@@ -17938,6 +18275,7 @@
             </a:r>
           </a:p>
           <a:p>
+            <a:pPr marL="177800"/>
             <a:r>
               <a:rPr lang="ko-KR" altLang="en-US" sz="1100" dirty="0">
                 <a:solidFill>
@@ -18060,6 +18398,10 @@
             </a:endParaRPr>
           </a:p>
           <a:p>
+            <a:pPr marL="171450" indent="-171450">
+              <a:buFont typeface="Wingdings" panose="05000000000000000000" pitchFamily="2" charset="2"/>
+              <a:buChar char="Ø"/>
+            </a:pPr>
             <a:r>
               <a:rPr lang="ko-KR" altLang="en-US" sz="1100" dirty="0">
                 <a:solidFill>
@@ -18376,7 +18718,7 @@
         <p:spPr>
           <a:xfrm>
             <a:off x="5047861" y="3342600"/>
-            <a:ext cx="4641673" cy="1277273"/>
+            <a:ext cx="4641673" cy="938719"/>
           </a:xfrm>
           <a:prstGeom prst="rect">
             <a:avLst/>
@@ -18390,6 +18732,17 @@
           <a:lstStyle/>
           <a:p>
             <a:r>
+              <a:rPr lang="en-US" altLang="ko-KR" sz="1100" dirty="0">
+                <a:solidFill>
+                  <a:schemeClr val="tx1">
+                    <a:lumMod val="65000"/>
+                    <a:lumOff val="35000"/>
+                  </a:schemeClr>
+                </a:solidFill>
+              </a:rPr>
+              <a:t>*</a:t>
+            </a:r>
+            <a:r>
               <a:rPr lang="ko-KR" altLang="en-US" sz="1100" dirty="0">
                 <a:solidFill>
                   <a:schemeClr val="tx1">
@@ -18398,7 +18751,7 @@
                   </a:schemeClr>
                 </a:solidFill>
               </a:rPr>
-              <a:t>본 해석</a:t>
+              <a:t>본 파일들은 </a:t>
             </a:r>
             <a:r>
               <a:rPr lang="en-US" altLang="ko-KR" sz="1100" dirty="0">
@@ -18409,7 +18762,7 @@
                   </a:schemeClr>
                 </a:solidFill>
               </a:rPr>
-              <a:t>(</a:t>
+              <a:t>SU2 </a:t>
             </a:r>
             <a:r>
               <a:rPr lang="ko-KR" altLang="en-US" sz="1100" dirty="0">
@@ -18420,7 +18773,7 @@
                   </a:schemeClr>
                 </a:solidFill>
               </a:rPr>
-              <a:t>예제</a:t>
+              <a:t>예제 파일을 참조하였습니다</a:t>
             </a:r>
             <a:r>
               <a:rPr lang="en-US" altLang="ko-KR" sz="1100" dirty="0">
@@ -18431,96 +18784,7 @@
                   </a:schemeClr>
                 </a:solidFill>
               </a:rPr>
-              <a:t>)</a:t>
-            </a:r>
-            <a:r>
-              <a:rPr lang="ko-KR" altLang="en-US" sz="1100" dirty="0">
-                <a:solidFill>
-                  <a:schemeClr val="tx1">
-                    <a:lumMod val="65000"/>
-                    <a:lumOff val="35000"/>
-                  </a:schemeClr>
-                </a:solidFill>
-              </a:rPr>
-              <a:t>에서는 다음 파일을 참조하였습니다</a:t>
-            </a:r>
-            <a:r>
-              <a:rPr lang="en-US" altLang="ko-KR" sz="1100" dirty="0">
-                <a:solidFill>
-                  <a:schemeClr val="tx1">
-                    <a:lumMod val="65000"/>
-                    <a:lumOff val="35000"/>
-                  </a:schemeClr>
-                </a:solidFill>
-              </a:rPr>
-              <a:t>. :</a:t>
-            </a:r>
-          </a:p>
-          <a:p>
-            <a:endParaRPr lang="en-US" altLang="ko-KR" sz="1100" dirty="0">
-              <a:solidFill>
-                <a:schemeClr val="tx1">
-                  <a:lumMod val="65000"/>
-                  <a:lumOff val="35000"/>
-                </a:schemeClr>
-              </a:solidFill>
-            </a:endParaRPr>
-          </a:p>
-          <a:p>
-            <a:r>
-              <a:rPr lang="en-US" altLang="ko-KR" sz="1100" dirty="0">
-                <a:solidFill>
-                  <a:schemeClr val="tx1">
-                    <a:lumMod val="65000"/>
-                    <a:lumOff val="35000"/>
-                  </a:schemeClr>
-                </a:solidFill>
-              </a:rPr>
-              <a:t>*</a:t>
-            </a:r>
-            <a:r>
-              <a:rPr lang="ko-KR" altLang="en-US" sz="1100" dirty="0">
-                <a:solidFill>
-                  <a:schemeClr val="tx1">
-                    <a:lumMod val="65000"/>
-                    <a:lumOff val="35000"/>
-                  </a:schemeClr>
-                </a:solidFill>
-              </a:rPr>
-              <a:t>본 파일들은 </a:t>
-            </a:r>
-            <a:r>
-              <a:rPr lang="en-US" altLang="ko-KR" sz="1100" dirty="0">
-                <a:solidFill>
-                  <a:schemeClr val="tx1">
-                    <a:lumMod val="65000"/>
-                    <a:lumOff val="35000"/>
-                  </a:schemeClr>
-                </a:solidFill>
-              </a:rPr>
-              <a:t>SU2 </a:t>
-            </a:r>
-            <a:r>
-              <a:rPr lang="ko-KR" altLang="en-US" sz="1100" dirty="0">
-                <a:solidFill>
-                  <a:schemeClr val="tx1">
-                    <a:lumMod val="65000"/>
-                    <a:lumOff val="35000"/>
-                  </a:schemeClr>
-                </a:solidFill>
-              </a:rPr>
-              <a:t>예제 파일을 참조하였습니다</a:t>
-            </a:r>
-            <a:r>
-              <a:rPr lang="en-US" altLang="ko-KR" sz="1100" dirty="0">
-                <a:solidFill>
-                  <a:schemeClr val="tx1">
-                    <a:lumMod val="65000"/>
-                    <a:lumOff val="35000"/>
-                  </a:schemeClr>
-                </a:solidFill>
-              </a:rPr>
-              <a:t>. [</a:t>
+              <a:t>. : [</a:t>
             </a:r>
             <a:r>
               <a:rPr lang="ko-KR" altLang="en-US" sz="1100" dirty="0">
@@ -18660,7 +18924,7 @@
     <mc:Choice Requires="p14">
       <p:transition/>
     </mc:Choice>
-    <mc:Fallback xmlns:dsp="http://schemas.microsoft.com/office/drawing/2008/diagram" xmlns:dgm="http://schemas.openxmlformats.org/drawingml/2006/diagram" xmlns:c="http://schemas.openxmlformats.org/drawingml/2006/chart" xmlns="">
+    <mc:Fallback xmlns="" xmlns:c="http://schemas.openxmlformats.org/drawingml/2006/chart" xmlns:dgm="http://schemas.openxmlformats.org/drawingml/2006/diagram" xmlns:dsp="http://schemas.microsoft.com/office/drawing/2008/diagram">
       <p:transition/>
     </mc:Fallback>
   </mc:AlternateContent>
@@ -19020,6 +19284,10 @@
           </a:bodyPr>
           <a:lstStyle/>
           <a:p>
+            <a:pPr marL="171450" indent="-171450">
+              <a:buFont typeface="Wingdings" panose="05000000000000000000" pitchFamily="2" charset="2"/>
+              <a:buChar char="Ø"/>
+            </a:pPr>
             <a:r>
               <a:rPr lang="ko-KR" altLang="en-US" sz="1100" dirty="0">
                 <a:solidFill>
@@ -19687,7 +19955,7 @@
     <mc:Choice Requires="p14">
       <p:transition/>
     </mc:Choice>
-    <mc:Fallback xmlns:dsp="http://schemas.microsoft.com/office/drawing/2008/diagram" xmlns:dgm="http://schemas.openxmlformats.org/drawingml/2006/diagram" xmlns:c="http://schemas.openxmlformats.org/drawingml/2006/chart" xmlns="">
+    <mc:Fallback xmlns="" xmlns:c="http://schemas.openxmlformats.org/drawingml/2006/chart" xmlns:dgm="http://schemas.openxmlformats.org/drawingml/2006/diagram" xmlns:dsp="http://schemas.microsoft.com/office/drawing/2008/diagram">
       <p:transition/>
     </mc:Fallback>
   </mc:AlternateContent>
@@ -19854,6 +20122,10 @@
             </a:bodyPr>
             <a:lstStyle/>
             <a:p>
+              <a:pPr marL="171450" indent="-171450">
+                <a:buFont typeface="Wingdings" panose="05000000000000000000" pitchFamily="2" charset="2"/>
+                <a:buChar char="Ø"/>
+              </a:pPr>
               <a:r>
                 <a:rPr lang="ko-KR" altLang="en-US" sz="1100" dirty="0">
                   <a:solidFill>
@@ -19954,6 +20226,10 @@
               </a:endParaRPr>
             </a:p>
             <a:p>
+              <a:pPr marL="171450" indent="-171450">
+                <a:buFont typeface="Arial" panose="020B0604020202020204" pitchFamily="34" charset="0"/>
+                <a:buChar char="•"/>
+              </a:pPr>
               <a:r>
                 <a:rPr lang="en-US" altLang="ko-KR" sz="1100" dirty="0">
                   <a:solidFill>
@@ -19967,6 +20243,10 @@
               </a:r>
             </a:p>
             <a:p>
+              <a:pPr marL="171450" indent="-171450">
+                <a:buFont typeface="Arial" panose="020B0604020202020204" pitchFamily="34" charset="0"/>
+                <a:buChar char="•"/>
+              </a:pPr>
               <a:r>
                 <a:rPr lang="en-US" altLang="ko-KR" sz="1100" dirty="0">
                   <a:solidFill>
@@ -20024,6 +20304,10 @@
               </a:r>
             </a:p>
             <a:p>
+              <a:pPr marL="171450" indent="-171450">
+                <a:buFont typeface="Arial" panose="020B0604020202020204" pitchFamily="34" charset="0"/>
+                <a:buChar char="•"/>
+              </a:pPr>
               <a:r>
                 <a:rPr lang="en-US" altLang="ko-KR" sz="1100" dirty="0">
                   <a:solidFill>
@@ -20037,6 +20321,10 @@
               </a:r>
             </a:p>
             <a:p>
+              <a:pPr marL="171450" indent="-171450">
+                <a:buFont typeface="Arial" panose="020B0604020202020204" pitchFamily="34" charset="0"/>
+                <a:buChar char="•"/>
+              </a:pPr>
               <a:r>
                 <a:rPr lang="en-US" altLang="ko-KR" sz="1100" dirty="0">
                   <a:solidFill>
@@ -20069,6 +20357,10 @@
               </a:endParaRPr>
             </a:p>
             <a:p>
+              <a:pPr marL="171450" indent="-171450">
+                <a:buFont typeface="Arial" panose="020B0604020202020204" pitchFamily="34" charset="0"/>
+                <a:buChar char="•"/>
+              </a:pPr>
               <a:endParaRPr lang="en-US" altLang="ko-KR" sz="1100" dirty="0">
                 <a:solidFill>
                   <a:schemeClr val="tx1">
@@ -20079,6 +20371,10 @@
               </a:endParaRPr>
             </a:p>
             <a:p>
+              <a:pPr marL="171450" indent="-171450">
+                <a:buFont typeface="Arial" panose="020B0604020202020204" pitchFamily="34" charset="0"/>
+                <a:buChar char="•"/>
+              </a:pPr>
               <a:r>
                 <a:rPr lang="en-US" altLang="ko-KR" sz="1100" dirty="0">
                   <a:solidFill>
@@ -20092,6 +20388,10 @@
               </a:r>
             </a:p>
             <a:p>
+              <a:pPr marL="171450" indent="-171450">
+                <a:buFont typeface="Arial" panose="020B0604020202020204" pitchFamily="34" charset="0"/>
+                <a:buChar char="•"/>
+              </a:pPr>
               <a:r>
                 <a:rPr lang="en-US" altLang="ko-KR" sz="1100" dirty="0">
                   <a:solidFill>
@@ -20105,6 +20405,10 @@
               </a:r>
             </a:p>
             <a:p>
+              <a:pPr marL="171450" indent="-171450">
+                <a:buFont typeface="Arial" panose="020B0604020202020204" pitchFamily="34" charset="0"/>
+                <a:buChar char="•"/>
+              </a:pPr>
               <a:r>
                 <a:rPr lang="en-US" altLang="ko-KR" sz="1100" dirty="0">
                   <a:solidFill>
@@ -20118,6 +20422,10 @@
               </a:r>
             </a:p>
             <a:p>
+              <a:pPr marL="171450" indent="-171450">
+                <a:buFont typeface="Arial" panose="020B0604020202020204" pitchFamily="34" charset="0"/>
+                <a:buChar char="•"/>
+              </a:pPr>
               <a:r>
                 <a:rPr lang="en-US" altLang="ko-KR" sz="1100" dirty="0">
                   <a:solidFill>
@@ -20131,6 +20439,10 @@
               </a:r>
             </a:p>
             <a:p>
+              <a:pPr marL="171450" indent="-171450">
+                <a:buFont typeface="Arial" panose="020B0604020202020204" pitchFamily="34" charset="0"/>
+                <a:buChar char="•"/>
+              </a:pPr>
               <a:r>
                 <a:rPr lang="en-US" altLang="ko-KR" sz="1100" dirty="0">
                   <a:solidFill>
@@ -20144,6 +20456,10 @@
               </a:r>
             </a:p>
             <a:p>
+              <a:pPr marL="171450" indent="-171450">
+                <a:buFont typeface="Arial" panose="020B0604020202020204" pitchFamily="34" charset="0"/>
+                <a:buChar char="•"/>
+              </a:pPr>
               <a:r>
                 <a:rPr lang="en-US" altLang="ko-KR" sz="1100" dirty="0">
                   <a:solidFill>
@@ -20157,6 +20473,10 @@
               </a:r>
             </a:p>
             <a:p>
+              <a:pPr marL="171450" indent="-171450">
+                <a:buFont typeface="Arial" panose="020B0604020202020204" pitchFamily="34" charset="0"/>
+                <a:buChar char="•"/>
+              </a:pPr>
               <a:r>
                 <a:rPr lang="en-US" altLang="ko-KR" sz="1100" dirty="0">
                   <a:solidFill>
@@ -20192,6 +20512,10 @@
               </a:r>
             </a:p>
             <a:p>
+              <a:pPr marL="171450" indent="-171450">
+                <a:buFont typeface="Arial" panose="020B0604020202020204" pitchFamily="34" charset="0"/>
+                <a:buChar char="•"/>
+              </a:pPr>
               <a:r>
                 <a:rPr lang="en-US" altLang="ko-KR" sz="1100" dirty="0">
                   <a:solidFill>
@@ -20205,6 +20529,10 @@
               </a:r>
             </a:p>
             <a:p>
+              <a:pPr marL="171450" indent="-171450">
+                <a:buFont typeface="Arial" panose="020B0604020202020204" pitchFamily="34" charset="0"/>
+                <a:buChar char="•"/>
+              </a:pPr>
               <a:r>
                 <a:rPr lang="en-US" altLang="ko-KR" sz="1100" dirty="0">
                   <a:solidFill>
@@ -20218,6 +20546,10 @@
               </a:r>
             </a:p>
             <a:p>
+              <a:pPr marL="171450" indent="-171450">
+                <a:buFont typeface="Arial" panose="020B0604020202020204" pitchFamily="34" charset="0"/>
+                <a:buChar char="•"/>
+              </a:pPr>
               <a:r>
                 <a:rPr lang="en-US" altLang="ko-KR" sz="1100" dirty="0">
                   <a:solidFill>
@@ -21216,8 +21548,8 @@
           </p:nvSpPr>
           <p:spPr>
             <a:xfrm>
-              <a:off x="7684986" y="3535865"/>
-              <a:ext cx="619882" cy="109406"/>
+              <a:off x="7624679" y="3535865"/>
+              <a:ext cx="680189" cy="109406"/>
             </a:xfrm>
             <a:prstGeom prst="rect">
               <a:avLst/>
@@ -21232,7 +21564,7 @@
             <a:p>
               <a:r>
                 <a:rPr lang="en-US" altLang="ko-KR" sz="900" dirty="0"/>
-                <a:t>Fig. 7 </a:t>
+                <a:t>Fig. 10 </a:t>
               </a:r>
               <a:r>
                 <a:rPr lang="ko-KR" altLang="en-US" sz="900" dirty="0"/>
@@ -21270,9 +21602,9 @@
         <p:grpSpPr>
           <a:xfrm>
             <a:off x="8044552" y="5125063"/>
-            <a:ext cx="3634229" cy="1266937"/>
+            <a:ext cx="3634230" cy="1266937"/>
             <a:chOff x="8436437" y="2437847"/>
-            <a:chExt cx="3634229" cy="1266937"/>
+            <a:chExt cx="3634230" cy="1266937"/>
           </a:xfrm>
         </p:grpSpPr>
         <p:pic>
@@ -21326,8 +21658,8 @@
           </p:nvSpPr>
           <p:spPr>
             <a:xfrm>
-              <a:off x="10762793" y="3473952"/>
-              <a:ext cx="1307873" cy="230832"/>
+              <a:off x="10635555" y="3473952"/>
+              <a:ext cx="1435112" cy="230832"/>
             </a:xfrm>
             <a:prstGeom prst="rect">
               <a:avLst/>
@@ -21342,7 +21674,7 @@
             <a:p>
               <a:r>
                 <a:rPr lang="en-US" altLang="ko-KR" sz="900" dirty="0"/>
-                <a:t>Fig. 8 </a:t>
+                <a:t>Fig. 11 </a:t>
               </a:r>
               <a:r>
                 <a:rPr lang="ko-KR" altLang="en-US" sz="900" dirty="0"/>
@@ -21379,7 +21711,7 @@
     <mc:Choice Requires="p14">
       <p:transition/>
     </mc:Choice>
-    <mc:Fallback xmlns:dsp="http://schemas.microsoft.com/office/drawing/2008/diagram" xmlns:dgm="http://schemas.openxmlformats.org/drawingml/2006/diagram" xmlns:c="http://schemas.openxmlformats.org/drawingml/2006/chart" xmlns="">
+    <mc:Fallback xmlns="" xmlns:c="http://schemas.openxmlformats.org/drawingml/2006/chart" xmlns:dgm="http://schemas.openxmlformats.org/drawingml/2006/diagram" xmlns:dsp="http://schemas.microsoft.com/office/drawing/2008/diagram">
       <p:transition/>
     </mc:Fallback>
   </mc:AlternateContent>
@@ -21531,7 +21863,7 @@
             <a:p>
               <a:r>
                 <a:rPr lang="en-US" altLang="ko-KR" sz="900" dirty="0"/>
-                <a:t>Fig. 10 Pressure</a:t>
+                <a:t>Fig. 12 Pressure</a:t>
               </a:r>
               <a:r>
                 <a:rPr lang="ko-KR" altLang="en-US" sz="900" dirty="0"/>
@@ -21603,8 +21935,8 @@
         </p:nvGrpSpPr>
         <p:grpSpPr>
           <a:xfrm>
-            <a:off x="9039148" y="3336943"/>
-            <a:ext cx="2803610" cy="3106556"/>
+            <a:off x="8287501" y="3256618"/>
+            <a:ext cx="2932023" cy="3215378"/>
             <a:chOff x="2364672" y="1730229"/>
             <a:chExt cx="689074" cy="763532"/>
           </a:xfrm>
@@ -21674,7 +22006,7 @@
             <a:p>
               <a:r>
                 <a:rPr lang="en-US" altLang="ko-KR" sz="900" dirty="0"/>
-                <a:t>Fig. 11 Pressure Polt</a:t>
+                <a:t>Fig. 13 Pressure Polt</a:t>
               </a:r>
             </a:p>
           </p:txBody>
@@ -23535,7 +23867,7 @@
     <mc:Choice Requires="p14">
       <p:transition/>
     </mc:Choice>
-    <mc:Fallback xmlns:dsp="http://schemas.microsoft.com/office/drawing/2008/diagram" xmlns:dgm="http://schemas.openxmlformats.org/drawingml/2006/diagram" xmlns:c="http://schemas.openxmlformats.org/drawingml/2006/chart" xmlns="">
+    <mc:Fallback xmlns="" xmlns:c="http://schemas.openxmlformats.org/drawingml/2006/chart" xmlns:dgm="http://schemas.openxmlformats.org/drawingml/2006/diagram" xmlns:dsp="http://schemas.microsoft.com/office/drawing/2008/diagram">
       <p:transition/>
     </mc:Fallback>
   </mc:AlternateContent>
